--- a/gamified_marketing_application.pptx
+++ b/gamified_marketing_application.pptx
@@ -17682,16 +17682,19 @@
               <a:t> = </a:t>
             </a:r>
             <a:r>
-              <a:rPr lang="it-IT">
-                <a:latin typeface="Courier New" panose="02070309020205020404" pitchFamily="49" charset="0"/>
-                <a:cs typeface="Courier New" panose="02070309020205020404" pitchFamily="49" charset="0"/>
-              </a:rPr>
-              <a:t>true)</a:t>
-            </a:r>
-            <a:endParaRPr lang="it-IT" dirty="0">
-              <a:latin typeface="Courier New" panose="02070309020205020404" pitchFamily="49" charset="0"/>
-              <a:cs typeface="Courier New" panose="02070309020205020404" pitchFamily="49" charset="0"/>
-            </a:endParaRPr>
+              <a:rPr lang="it-IT" dirty="0" err="1">
+                <a:latin typeface="Courier New" panose="02070309020205020404" pitchFamily="49" charset="0"/>
+                <a:cs typeface="Courier New" panose="02070309020205020404" pitchFamily="49" charset="0"/>
+              </a:rPr>
+              <a:t>true</a:t>
+            </a:r>
+            <a:r>
+              <a:rPr lang="it-IT" dirty="0">
+                <a:latin typeface="Courier New" panose="02070309020205020404" pitchFamily="49" charset="0"/>
+                <a:cs typeface="Courier New" panose="02070309020205020404" pitchFamily="49" charset="0"/>
+              </a:rPr>
+              <a:t>)</a:t>
+            </a:r>
           </a:p>
           <a:p>
             <a:pPr marL="0" indent="0">

--- a/gamified_marketing_application.pptx
+++ b/gamified_marketing_application.pptx
@@ -14608,145 +14608,7 @@
                 <a:latin typeface="Courier New" panose="02070309020205020404" pitchFamily="49" charset="0"/>
                 <a:cs typeface="Courier New" panose="02070309020205020404" pitchFamily="49" charset="0"/>
               </a:rPr>
-              <a:t> = :date"),</a:t>
-            </a:r>
-          </a:p>
-          <a:p>
-            <a:pPr marL="0" indent="0">
-              <a:buNone/>
-            </a:pPr>
-            <a:r>
-              <a:rPr lang="it-IT" i="1" dirty="0">
-                <a:latin typeface="Courier New" panose="02070309020205020404" pitchFamily="49" charset="0"/>
-                <a:cs typeface="Courier New" panose="02070309020205020404" pitchFamily="49" charset="0"/>
-              </a:rPr>
-              <a:t>	@</a:t>
-            </a:r>
-            <a:r>
-              <a:rPr lang="it-IT" i="1" dirty="0" err="1">
-                <a:latin typeface="Courier New" panose="02070309020205020404" pitchFamily="49" charset="0"/>
-                <a:cs typeface="Courier New" panose="02070309020205020404" pitchFamily="49" charset="0"/>
-              </a:rPr>
-              <a:t>NamedQuery</a:t>
-            </a:r>
-            <a:r>
-              <a:rPr lang="it-IT" dirty="0">
-                <a:latin typeface="Courier New" panose="02070309020205020404" pitchFamily="49" charset="0"/>
-                <a:cs typeface="Courier New" panose="02070309020205020404" pitchFamily="49" charset="0"/>
-              </a:rPr>
-              <a:t>(</a:t>
-            </a:r>
-            <a:r>
-              <a:rPr lang="it-IT" dirty="0" err="1">
-                <a:latin typeface="Courier New" panose="02070309020205020404" pitchFamily="49" charset="0"/>
-                <a:cs typeface="Courier New" panose="02070309020205020404" pitchFamily="49" charset="0"/>
-              </a:rPr>
-              <a:t>name</a:t>
-            </a:r>
-            <a:r>
-              <a:rPr lang="it-IT" dirty="0">
-                <a:latin typeface="Courier New" panose="02070309020205020404" pitchFamily="49" charset="0"/>
-                <a:cs typeface="Courier New" panose="02070309020205020404" pitchFamily="49" charset="0"/>
-              </a:rPr>
-              <a:t> = "</a:t>
-            </a:r>
-            <a:r>
-              <a:rPr lang="it-IT" dirty="0" err="1">
-                <a:latin typeface="Courier New" panose="02070309020205020404" pitchFamily="49" charset="0"/>
-                <a:cs typeface="Courier New" panose="02070309020205020404" pitchFamily="49" charset="0"/>
-              </a:rPr>
-              <a:t>Questionnaire.findQuestionnaire</a:t>
-            </a:r>
-            <a:r>
-              <a:rPr lang="it-IT" dirty="0">
-                <a:latin typeface="Courier New" panose="02070309020205020404" pitchFamily="49" charset="0"/>
-                <a:cs typeface="Courier New" panose="02070309020205020404" pitchFamily="49" charset="0"/>
-              </a:rPr>
-              <a:t>", </a:t>
-            </a:r>
-            <a:r>
-              <a:rPr lang="it-IT" dirty="0" err="1">
-                <a:latin typeface="Courier New" panose="02070309020205020404" pitchFamily="49" charset="0"/>
-                <a:cs typeface="Courier New" panose="02070309020205020404" pitchFamily="49" charset="0"/>
-              </a:rPr>
-              <a:t>query</a:t>
-            </a:r>
-            <a:r>
-              <a:rPr lang="it-IT" dirty="0">
-                <a:latin typeface="Courier New" panose="02070309020205020404" pitchFamily="49" charset="0"/>
-                <a:cs typeface="Courier New" panose="02070309020205020404" pitchFamily="49" charset="0"/>
-              </a:rPr>
-              <a:t> = "SELECT </a:t>
-            </a:r>
-            <a:r>
-              <a:rPr lang="it-IT" dirty="0" err="1">
-                <a:latin typeface="Courier New" panose="02070309020205020404" pitchFamily="49" charset="0"/>
-                <a:cs typeface="Courier New" panose="02070309020205020404" pitchFamily="49" charset="0"/>
-              </a:rPr>
-              <a:t>q</a:t>
-            </a:r>
-            <a:r>
-              <a:rPr lang="it-IT" dirty="0">
-                <a:latin typeface="Courier New" panose="02070309020205020404" pitchFamily="49" charset="0"/>
-                <a:cs typeface="Courier New" panose="02070309020205020404" pitchFamily="49" charset="0"/>
-              </a:rPr>
-              <a:t> FROM </a:t>
-            </a:r>
-            <a:r>
-              <a:rPr lang="it-IT" dirty="0" err="1">
-                <a:latin typeface="Courier New" panose="02070309020205020404" pitchFamily="49" charset="0"/>
-                <a:cs typeface="Courier New" panose="02070309020205020404" pitchFamily="49" charset="0"/>
-              </a:rPr>
-              <a:t>Questionnaire</a:t>
-            </a:r>
-            <a:r>
-              <a:rPr lang="it-IT" dirty="0">
-                <a:latin typeface="Courier New" panose="02070309020205020404" pitchFamily="49" charset="0"/>
-                <a:cs typeface="Courier New" panose="02070309020205020404" pitchFamily="49" charset="0"/>
-              </a:rPr>
-              <a:t> </a:t>
-            </a:r>
-            <a:r>
-              <a:rPr lang="it-IT" dirty="0" err="1">
-                <a:latin typeface="Courier New" panose="02070309020205020404" pitchFamily="49" charset="0"/>
-                <a:cs typeface="Courier New" panose="02070309020205020404" pitchFamily="49" charset="0"/>
-              </a:rPr>
-              <a:t>q</a:t>
-            </a:r>
-            <a:r>
-              <a:rPr lang="it-IT" dirty="0">
-                <a:latin typeface="Courier New" panose="02070309020205020404" pitchFamily="49" charset="0"/>
-                <a:cs typeface="Courier New" panose="02070309020205020404" pitchFamily="49" charset="0"/>
-              </a:rPr>
-              <a:t>  WHERE </a:t>
-            </a:r>
-            <a:r>
-              <a:rPr lang="it-IT" dirty="0" err="1">
-                <a:latin typeface="Courier New" panose="02070309020205020404" pitchFamily="49" charset="0"/>
-                <a:cs typeface="Courier New" panose="02070309020205020404" pitchFamily="49" charset="0"/>
-              </a:rPr>
-              <a:t>q.ID_questionnaire</a:t>
-            </a:r>
-            <a:r>
-              <a:rPr lang="it-IT" dirty="0">
-                <a:latin typeface="Courier New" panose="02070309020205020404" pitchFamily="49" charset="0"/>
-                <a:cs typeface="Courier New" panose="02070309020205020404" pitchFamily="49" charset="0"/>
-              </a:rPr>
-              <a:t> = :</a:t>
-            </a:r>
-            <a:r>
-              <a:rPr lang="it-IT" dirty="0" err="1">
-                <a:latin typeface="Courier New" panose="02070309020205020404" pitchFamily="49" charset="0"/>
-                <a:cs typeface="Courier New" panose="02070309020205020404" pitchFamily="49" charset="0"/>
-              </a:rPr>
-              <a:t>ID_questionnaire</a:t>
-            </a:r>
-            <a:r>
-              <a:rPr lang="it-IT" dirty="0">
-                <a:latin typeface="Courier New" panose="02070309020205020404" pitchFamily="49" charset="0"/>
-                <a:cs typeface="Courier New" panose="02070309020205020404" pitchFamily="49" charset="0"/>
-              </a:rPr>
-              <a:t>"),</a:t>
+              <a:t> = :date"), </a:t>
             </a:r>
           </a:p>
           <a:p>
@@ -19621,33 +19483,37 @@
               <a:t>=</a:t>
             </a:r>
             <a:r>
-              <a:rPr lang="it-IT" i="1" dirty="0" err="1">
+              <a:rPr lang="it-IT" i="1" err="1">
                 <a:latin typeface="Courier New" panose="02070309020205020404" pitchFamily="49" charset="0"/>
                 <a:cs typeface="Courier New" panose="02070309020205020404" pitchFamily="49" charset="0"/>
               </a:rPr>
               <a:t>FetchType</a:t>
             </a:r>
             <a:r>
-              <a:rPr lang="it-IT" dirty="0" err="1">
+              <a:rPr lang="it-IT">
                 <a:latin typeface="Courier New" panose="02070309020205020404" pitchFamily="49" charset="0"/>
                 <a:cs typeface="Courier New" panose="02070309020205020404" pitchFamily="49" charset="0"/>
               </a:rPr>
               <a:t>.</a:t>
             </a:r>
             <a:r>
-              <a:rPr lang="it-IT" b="1" i="1" dirty="0" err="1">
-                <a:latin typeface="Courier New" panose="02070309020205020404" pitchFamily="49" charset="0"/>
-                <a:cs typeface="Courier New" panose="02070309020205020404" pitchFamily="49" charset="0"/>
-              </a:rPr>
-              <a:t>LAZY</a:t>
-            </a:r>
-            <a:r>
-              <a:rPr lang="it-IT" dirty="0">
+              <a:rPr lang="it-IT" b="1" i="1">
+                <a:latin typeface="Courier New" panose="02070309020205020404" pitchFamily="49" charset="0"/>
+                <a:cs typeface="Courier New" panose="02070309020205020404" pitchFamily="49" charset="0"/>
+              </a:rPr>
+              <a:t>EAGER</a:t>
+            </a:r>
+            <a:r>
+              <a:rPr lang="it-IT">
                 <a:latin typeface="Courier New" panose="02070309020205020404" pitchFamily="49" charset="0"/>
                 <a:cs typeface="Courier New" panose="02070309020205020404" pitchFamily="49" charset="0"/>
               </a:rPr>
               <a:t>)</a:t>
             </a:r>
+            <a:endParaRPr lang="it-IT" dirty="0">
+              <a:latin typeface="Courier New" panose="02070309020205020404" pitchFamily="49" charset="0"/>
+              <a:cs typeface="Courier New" panose="02070309020205020404" pitchFamily="49" charset="0"/>
+            </a:endParaRPr>
           </a:p>
           <a:p>
             <a:pPr marL="0" indent="0">

--- a/gamified_marketing_application.pptx
+++ b/gamified_marketing_application.pptx
@@ -6459,8 +6459,8 @@
         </p:nvSpPr>
         <p:spPr>
           <a:xfrm>
-            <a:off x="244125" y="0"/>
-            <a:ext cx="7886700" cy="1325563"/>
+            <a:off x="0" y="0"/>
+            <a:ext cx="7886700" cy="1124841"/>
           </a:xfrm>
         </p:spPr>
         <p:txBody>
@@ -6486,13 +6486,13 @@
         </p:nvSpPr>
         <p:spPr>
           <a:xfrm>
-            <a:off x="0" y="1244592"/>
-            <a:ext cx="9144000" cy="5557651"/>
+            <a:off x="0" y="1011044"/>
+            <a:ext cx="9144000" cy="5846956"/>
           </a:xfrm>
         </p:spPr>
         <p:txBody>
           <a:bodyPr>
-            <a:normAutofit fontScale="40000" lnSpcReduction="20000"/>
+            <a:noAutofit/>
           </a:bodyPr>
           <a:lstStyle/>
           <a:p>
@@ -6500,20 +6500,20 @@
               <a:buNone/>
             </a:pPr>
             <a:r>
-              <a:rPr lang="it-IT" i="1" dirty="0">
+              <a:rPr lang="it-IT" sz="700" i="1" dirty="0">
                 <a:latin typeface="Courier New" panose="02070309020205020404" pitchFamily="49" charset="0"/>
                 <a:cs typeface="Courier New" panose="02070309020205020404" pitchFamily="49" charset="0"/>
               </a:rPr>
               <a:t>@</a:t>
             </a:r>
             <a:r>
-              <a:rPr lang="it-IT" i="1" dirty="0" err="1">
+              <a:rPr lang="it-IT" sz="700" i="1" dirty="0" err="1">
                 <a:latin typeface="Courier New" panose="02070309020205020404" pitchFamily="49" charset="0"/>
                 <a:cs typeface="Courier New" panose="02070309020205020404" pitchFamily="49" charset="0"/>
               </a:rPr>
               <a:t>Entity</a:t>
             </a:r>
-            <a:endParaRPr lang="it-IT" dirty="0">
+            <a:endParaRPr lang="it-IT" sz="700" dirty="0">
               <a:latin typeface="Courier New" panose="02070309020205020404" pitchFamily="49" charset="0"/>
               <a:cs typeface="Courier New" panose="02070309020205020404" pitchFamily="49" charset="0"/>
             </a:endParaRPr>
@@ -6523,63 +6523,63 @@
               <a:buNone/>
             </a:pPr>
             <a:r>
-              <a:rPr lang="it-IT" i="1" dirty="0">
+              <a:rPr lang="it-IT" sz="700" i="1" dirty="0">
                 <a:latin typeface="Courier New" panose="02070309020205020404" pitchFamily="49" charset="0"/>
                 <a:cs typeface="Courier New" panose="02070309020205020404" pitchFamily="49" charset="0"/>
               </a:rPr>
               <a:t>@</a:t>
             </a:r>
             <a:r>
-              <a:rPr lang="it-IT" i="1" dirty="0" err="1">
+              <a:rPr lang="it-IT" sz="700" i="1" dirty="0" err="1">
                 <a:latin typeface="Courier New" panose="02070309020205020404" pitchFamily="49" charset="0"/>
                 <a:cs typeface="Courier New" panose="02070309020205020404" pitchFamily="49" charset="0"/>
               </a:rPr>
               <a:t>Table</a:t>
             </a:r>
             <a:r>
-              <a:rPr lang="it-IT" dirty="0">
+              <a:rPr lang="it-IT" sz="700" dirty="0">
                 <a:latin typeface="Courier New" panose="02070309020205020404" pitchFamily="49" charset="0"/>
                 <a:cs typeface="Courier New" panose="02070309020205020404" pitchFamily="49" charset="0"/>
               </a:rPr>
               <a:t>(</a:t>
             </a:r>
             <a:r>
-              <a:rPr lang="it-IT" dirty="0" err="1">
+              <a:rPr lang="it-IT" sz="700" dirty="0" err="1">
                 <a:latin typeface="Courier New" panose="02070309020205020404" pitchFamily="49" charset="0"/>
                 <a:cs typeface="Courier New" panose="02070309020205020404" pitchFamily="49" charset="0"/>
               </a:rPr>
               <a:t>name</a:t>
             </a:r>
             <a:r>
-              <a:rPr lang="it-IT" dirty="0">
+              <a:rPr lang="it-IT" sz="700" dirty="0">
                 <a:latin typeface="Courier New" panose="02070309020205020404" pitchFamily="49" charset="0"/>
                 <a:cs typeface="Courier New" panose="02070309020205020404" pitchFamily="49" charset="0"/>
               </a:rPr>
               <a:t> = "</a:t>
             </a:r>
             <a:r>
-              <a:rPr lang="it-IT" dirty="0" err="1">
+              <a:rPr lang="it-IT" sz="700" dirty="0" err="1">
                 <a:latin typeface="Courier New" panose="02070309020205020404" pitchFamily="49" charset="0"/>
                 <a:cs typeface="Courier New" panose="02070309020205020404" pitchFamily="49" charset="0"/>
               </a:rPr>
               <a:t>Usertable</a:t>
             </a:r>
             <a:r>
-              <a:rPr lang="it-IT" dirty="0">
+              <a:rPr lang="it-IT" sz="700" dirty="0">
                 <a:latin typeface="Courier New" panose="02070309020205020404" pitchFamily="49" charset="0"/>
                 <a:cs typeface="Courier New" panose="02070309020205020404" pitchFamily="49" charset="0"/>
               </a:rPr>
               <a:t>", schema = "</a:t>
             </a:r>
             <a:r>
-              <a:rPr lang="it-IT" dirty="0" err="1">
+              <a:rPr lang="it-IT" sz="700" dirty="0" err="1">
                 <a:latin typeface="Courier New" panose="02070309020205020404" pitchFamily="49" charset="0"/>
                 <a:cs typeface="Courier New" panose="02070309020205020404" pitchFamily="49" charset="0"/>
               </a:rPr>
               <a:t>gamified_marketing</a:t>
             </a:r>
             <a:r>
-              <a:rPr lang="it-IT" dirty="0">
+              <a:rPr lang="it-IT" sz="700" dirty="0">
                 <a:latin typeface="Courier New" panose="02070309020205020404" pitchFamily="49" charset="0"/>
                 <a:cs typeface="Courier New" panose="02070309020205020404" pitchFamily="49" charset="0"/>
               </a:rPr>
@@ -6591,91 +6591,117 @@
               <a:buNone/>
             </a:pPr>
             <a:r>
-              <a:rPr lang="it-IT" i="1" dirty="0">
+              <a:rPr lang="it-IT" sz="700" i="1" dirty="0">
                 <a:latin typeface="Courier New" panose="02070309020205020404" pitchFamily="49" charset="0"/>
                 <a:cs typeface="Courier New" panose="02070309020205020404" pitchFamily="49" charset="0"/>
               </a:rPr>
               <a:t>@</a:t>
             </a:r>
             <a:r>
-              <a:rPr lang="it-IT" i="1" dirty="0" err="1">
+              <a:rPr lang="it-IT" sz="700" i="1" dirty="0" err="1">
+                <a:latin typeface="Courier New" panose="02070309020205020404" pitchFamily="49" charset="0"/>
+                <a:cs typeface="Courier New" panose="02070309020205020404" pitchFamily="49" charset="0"/>
+              </a:rPr>
+              <a:t>NamedQueries</a:t>
+            </a:r>
+            <a:r>
+              <a:rPr lang="it-IT" sz="700" dirty="0">
+                <a:latin typeface="Courier New" panose="02070309020205020404" pitchFamily="49" charset="0"/>
+                <a:cs typeface="Courier New" panose="02070309020205020404" pitchFamily="49" charset="0"/>
+              </a:rPr>
+              <a:t>({</a:t>
+            </a:r>
+          </a:p>
+          <a:p>
+            <a:pPr marL="0" indent="0">
+              <a:buNone/>
+            </a:pPr>
+            <a:r>
+              <a:rPr lang="it-IT" sz="700" i="1" dirty="0">
+                <a:latin typeface="Courier New" panose="02070309020205020404" pitchFamily="49" charset="0"/>
+                <a:cs typeface="Courier New" panose="02070309020205020404" pitchFamily="49" charset="0"/>
+              </a:rPr>
+              <a:t>	@</a:t>
+            </a:r>
+            <a:r>
+              <a:rPr lang="it-IT" sz="700" i="1" dirty="0" err="1">
                 <a:latin typeface="Courier New" panose="02070309020205020404" pitchFamily="49" charset="0"/>
                 <a:cs typeface="Courier New" panose="02070309020205020404" pitchFamily="49" charset="0"/>
               </a:rPr>
               <a:t>NamedQuery</a:t>
             </a:r>
             <a:r>
-              <a:rPr lang="it-IT" dirty="0">
+              <a:rPr lang="it-IT" sz="700" dirty="0">
                 <a:latin typeface="Courier New" panose="02070309020205020404" pitchFamily="49" charset="0"/>
                 <a:cs typeface="Courier New" panose="02070309020205020404" pitchFamily="49" charset="0"/>
               </a:rPr>
               <a:t>(</a:t>
             </a:r>
             <a:r>
-              <a:rPr lang="it-IT" dirty="0" err="1">
+              <a:rPr lang="it-IT" sz="700" dirty="0" err="1">
                 <a:latin typeface="Courier New" panose="02070309020205020404" pitchFamily="49" charset="0"/>
                 <a:cs typeface="Courier New" panose="02070309020205020404" pitchFamily="49" charset="0"/>
               </a:rPr>
               <a:t>name</a:t>
             </a:r>
             <a:r>
-              <a:rPr lang="it-IT" dirty="0">
+              <a:rPr lang="it-IT" sz="700" dirty="0">
                 <a:latin typeface="Courier New" panose="02070309020205020404" pitchFamily="49" charset="0"/>
                 <a:cs typeface="Courier New" panose="02070309020205020404" pitchFamily="49" charset="0"/>
               </a:rPr>
               <a:t> = "</a:t>
             </a:r>
             <a:r>
-              <a:rPr lang="it-IT" dirty="0" err="1">
+              <a:rPr lang="it-IT" sz="700" dirty="0" err="1">
                 <a:latin typeface="Courier New" panose="02070309020205020404" pitchFamily="49" charset="0"/>
                 <a:cs typeface="Courier New" panose="02070309020205020404" pitchFamily="49" charset="0"/>
               </a:rPr>
               <a:t>User.checkCredentials</a:t>
             </a:r>
             <a:r>
-              <a:rPr lang="it-IT" dirty="0">
+              <a:rPr lang="it-IT" sz="700" dirty="0">
                 <a:latin typeface="Courier New" panose="02070309020205020404" pitchFamily="49" charset="0"/>
                 <a:cs typeface="Courier New" panose="02070309020205020404" pitchFamily="49" charset="0"/>
               </a:rPr>
               <a:t>", </a:t>
             </a:r>
             <a:r>
-              <a:rPr lang="it-IT" dirty="0" err="1">
+              <a:rPr lang="it-IT" sz="700" dirty="0" err="1">
                 <a:latin typeface="Courier New" panose="02070309020205020404" pitchFamily="49" charset="0"/>
                 <a:cs typeface="Courier New" panose="02070309020205020404" pitchFamily="49" charset="0"/>
               </a:rPr>
               <a:t>query</a:t>
             </a:r>
             <a:r>
-              <a:rPr lang="it-IT" dirty="0">
+              <a:rPr lang="it-IT" sz="700" dirty="0">
                 <a:latin typeface="Courier New" panose="02070309020205020404" pitchFamily="49" charset="0"/>
                 <a:cs typeface="Courier New" panose="02070309020205020404" pitchFamily="49" charset="0"/>
               </a:rPr>
               <a:t> = "SELECT </a:t>
             </a:r>
             <a:r>
-              <a:rPr lang="it-IT" dirty="0" err="1">
+              <a:rPr lang="it-IT" sz="700" dirty="0" err="1">
                 <a:latin typeface="Courier New" panose="02070309020205020404" pitchFamily="49" charset="0"/>
                 <a:cs typeface="Courier New" panose="02070309020205020404" pitchFamily="49" charset="0"/>
               </a:rPr>
               <a:t>r</a:t>
             </a:r>
             <a:r>
-              <a:rPr lang="it-IT" dirty="0">
+              <a:rPr lang="it-IT" sz="700" dirty="0">
                 <a:latin typeface="Courier New" panose="02070309020205020404" pitchFamily="49" charset="0"/>
                 <a:cs typeface="Courier New" panose="02070309020205020404" pitchFamily="49" charset="0"/>
               </a:rPr>
               <a:t> FROM User </a:t>
             </a:r>
             <a:r>
-              <a:rPr lang="it-IT" dirty="0" err="1">
+              <a:rPr lang="it-IT" sz="700" dirty="0" err="1">
                 <a:latin typeface="Courier New" panose="02070309020205020404" pitchFamily="49" charset="0"/>
                 <a:cs typeface="Courier New" panose="02070309020205020404" pitchFamily="49" charset="0"/>
               </a:rPr>
               <a:t>r</a:t>
             </a:r>
             <a:r>
-              <a:rPr lang="it-IT" dirty="0">
+              <a:rPr lang="it-IT" sz="700" dirty="0">
                 <a:latin typeface="Courier New" panose="02070309020205020404" pitchFamily="49" charset="0"/>
                 <a:cs typeface="Courier New" panose="02070309020205020404" pitchFamily="49" charset="0"/>
               </a:rPr>
@@ -6687,46 +6713,316 @@
               <a:buNone/>
             </a:pPr>
             <a:r>
-              <a:rPr lang="it-IT" dirty="0">
-                <a:latin typeface="Courier New" panose="02070309020205020404" pitchFamily="49" charset="0"/>
-                <a:cs typeface="Courier New" panose="02070309020205020404" pitchFamily="49" charset="0"/>
-              </a:rPr>
-              <a:t>			WHERE </a:t>
-            </a:r>
-            <a:r>
-              <a:rPr lang="it-IT" dirty="0" err="1">
+              <a:rPr lang="it-IT" sz="700" dirty="0">
+                <a:latin typeface="Courier New" panose="02070309020205020404" pitchFamily="49" charset="0"/>
+                <a:cs typeface="Courier New" panose="02070309020205020404" pitchFamily="49" charset="0"/>
+              </a:rPr>
+              <a:t>				WHERE </a:t>
+            </a:r>
+            <a:r>
+              <a:rPr lang="it-IT" sz="700" dirty="0" err="1">
                 <a:latin typeface="Courier New" panose="02070309020205020404" pitchFamily="49" charset="0"/>
                 <a:cs typeface="Courier New" panose="02070309020205020404" pitchFamily="49" charset="0"/>
               </a:rPr>
               <a:t>r.username</a:t>
             </a:r>
             <a:r>
-              <a:rPr lang="it-IT" dirty="0">
+              <a:rPr lang="it-IT" sz="700" dirty="0">
                 <a:latin typeface="Courier New" panose="02070309020205020404" pitchFamily="49" charset="0"/>
                 <a:cs typeface="Courier New" panose="02070309020205020404" pitchFamily="49" charset="0"/>
               </a:rPr>
               <a:t> = :username and </a:t>
             </a:r>
             <a:r>
-              <a:rPr lang="it-IT" dirty="0" err="1">
+              <a:rPr lang="it-IT" sz="700" dirty="0" err="1">
                 <a:latin typeface="Courier New" panose="02070309020205020404" pitchFamily="49" charset="0"/>
                 <a:cs typeface="Courier New" panose="02070309020205020404" pitchFamily="49" charset="0"/>
               </a:rPr>
               <a:t>r.passwd</a:t>
             </a:r>
             <a:r>
-              <a:rPr lang="it-IT" dirty="0">
-                <a:latin typeface="Courier New" panose="02070309020205020404" pitchFamily="49" charset="0"/>
-                <a:cs typeface="Courier New" panose="02070309020205020404" pitchFamily="49" charset="0"/>
-              </a:rPr>
-              <a:t> = :password")</a:t>
-            </a:r>
-          </a:p>
-          <a:p>
-            <a:pPr marL="0" indent="0">
-              <a:buNone/>
-            </a:pPr>
-            <a:endParaRPr lang="it-IT" dirty="0">
+              <a:rPr lang="it-IT" sz="700" dirty="0">
+                <a:latin typeface="Courier New" panose="02070309020205020404" pitchFamily="49" charset="0"/>
+                <a:cs typeface="Courier New" panose="02070309020205020404" pitchFamily="49" charset="0"/>
+              </a:rPr>
+              <a:t> = :password"),</a:t>
+            </a:r>
+          </a:p>
+          <a:p>
+            <a:pPr marL="0" indent="0">
+              <a:buNone/>
+            </a:pPr>
+            <a:r>
+              <a:rPr lang="it-IT" sz="700" i="1" dirty="0">
+                <a:latin typeface="Courier New" panose="02070309020205020404" pitchFamily="49" charset="0"/>
+                <a:cs typeface="Courier New" panose="02070309020205020404" pitchFamily="49" charset="0"/>
+              </a:rPr>
+              <a:t>	@</a:t>
+            </a:r>
+            <a:r>
+              <a:rPr lang="it-IT" sz="700" i="1" dirty="0" err="1">
+                <a:latin typeface="Courier New" panose="02070309020205020404" pitchFamily="49" charset="0"/>
+                <a:cs typeface="Courier New" panose="02070309020205020404" pitchFamily="49" charset="0"/>
+              </a:rPr>
+              <a:t>NamedQuery</a:t>
+            </a:r>
+            <a:r>
+              <a:rPr lang="it-IT" sz="700" dirty="0">
+                <a:latin typeface="Courier New" panose="02070309020205020404" pitchFamily="49" charset="0"/>
+                <a:cs typeface="Courier New" panose="02070309020205020404" pitchFamily="49" charset="0"/>
+              </a:rPr>
+              <a:t>(</a:t>
+            </a:r>
+            <a:r>
+              <a:rPr lang="it-IT" sz="700" dirty="0" err="1">
+                <a:latin typeface="Courier New" panose="02070309020205020404" pitchFamily="49" charset="0"/>
+                <a:cs typeface="Courier New" panose="02070309020205020404" pitchFamily="49" charset="0"/>
+              </a:rPr>
+              <a:t>name</a:t>
+            </a:r>
+            <a:r>
+              <a:rPr lang="it-IT" sz="700" dirty="0">
+                <a:latin typeface="Courier New" panose="02070309020205020404" pitchFamily="49" charset="0"/>
+                <a:cs typeface="Courier New" panose="02070309020205020404" pitchFamily="49" charset="0"/>
+              </a:rPr>
+              <a:t>="</a:t>
+            </a:r>
+            <a:r>
+              <a:rPr lang="it-IT" sz="700" dirty="0" err="1">
+                <a:latin typeface="Courier New" panose="02070309020205020404" pitchFamily="49" charset="0"/>
+                <a:cs typeface="Courier New" panose="02070309020205020404" pitchFamily="49" charset="0"/>
+              </a:rPr>
+              <a:t>User.getAnswers</a:t>
+            </a:r>
+            <a:r>
+              <a:rPr lang="it-IT" sz="700" dirty="0">
+                <a:latin typeface="Courier New" panose="02070309020205020404" pitchFamily="49" charset="0"/>
+                <a:cs typeface="Courier New" panose="02070309020205020404" pitchFamily="49" charset="0"/>
+              </a:rPr>
+              <a:t>", </a:t>
+            </a:r>
+            <a:r>
+              <a:rPr lang="it-IT" sz="700" dirty="0" err="1">
+                <a:latin typeface="Courier New" panose="02070309020205020404" pitchFamily="49" charset="0"/>
+                <a:cs typeface="Courier New" panose="02070309020205020404" pitchFamily="49" charset="0"/>
+              </a:rPr>
+              <a:t>query</a:t>
+            </a:r>
+            <a:r>
+              <a:rPr lang="it-IT" sz="700" dirty="0">
+                <a:latin typeface="Courier New" panose="02070309020205020404" pitchFamily="49" charset="0"/>
+                <a:cs typeface="Courier New" panose="02070309020205020404" pitchFamily="49" charset="0"/>
+              </a:rPr>
+              <a:t>="SELECT a FROM </a:t>
+            </a:r>
+            <a:r>
+              <a:rPr lang="it-IT" sz="700" dirty="0" err="1">
+                <a:latin typeface="Courier New" panose="02070309020205020404" pitchFamily="49" charset="0"/>
+                <a:cs typeface="Courier New" panose="02070309020205020404" pitchFamily="49" charset="0"/>
+              </a:rPr>
+              <a:t>Answer</a:t>
+            </a:r>
+            <a:r>
+              <a:rPr lang="it-IT" sz="700" dirty="0">
+                <a:latin typeface="Courier New" panose="02070309020205020404" pitchFamily="49" charset="0"/>
+                <a:cs typeface="Courier New" panose="02070309020205020404" pitchFamily="49" charset="0"/>
+              </a:rPr>
+              <a:t> a </a:t>
+            </a:r>
+          </a:p>
+          <a:p>
+            <a:pPr marL="0" indent="0">
+              <a:buNone/>
+            </a:pPr>
+            <a:r>
+              <a:rPr lang="it-IT" sz="700" dirty="0">
+                <a:latin typeface="Courier New" panose="02070309020205020404" pitchFamily="49" charset="0"/>
+                <a:cs typeface="Courier New" panose="02070309020205020404" pitchFamily="49" charset="0"/>
+              </a:rPr>
+              <a:t>		WHERE </a:t>
+            </a:r>
+            <a:r>
+              <a:rPr lang="it-IT" sz="700" dirty="0" err="1">
+                <a:latin typeface="Courier New" panose="02070309020205020404" pitchFamily="49" charset="0"/>
+                <a:cs typeface="Courier New" panose="02070309020205020404" pitchFamily="49" charset="0"/>
+              </a:rPr>
+              <a:t>a.user_idx</a:t>
+            </a:r>
+            <a:r>
+              <a:rPr lang="it-IT" sz="700" dirty="0">
+                <a:latin typeface="Courier New" panose="02070309020205020404" pitchFamily="49" charset="0"/>
+                <a:cs typeface="Courier New" panose="02070309020205020404" pitchFamily="49" charset="0"/>
+              </a:rPr>
+              <a:t> = :</a:t>
+            </a:r>
+            <a:r>
+              <a:rPr lang="it-IT" sz="700" dirty="0" err="1">
+                <a:latin typeface="Courier New" panose="02070309020205020404" pitchFamily="49" charset="0"/>
+                <a:cs typeface="Courier New" panose="02070309020205020404" pitchFamily="49" charset="0"/>
+              </a:rPr>
+              <a:t>user</a:t>
+            </a:r>
+            <a:r>
+              <a:rPr lang="it-IT" sz="700" dirty="0">
+                <a:latin typeface="Courier New" panose="02070309020205020404" pitchFamily="49" charset="0"/>
+                <a:cs typeface="Courier New" panose="02070309020205020404" pitchFamily="49" charset="0"/>
+              </a:rPr>
+              <a:t> AND </a:t>
+            </a:r>
+            <a:r>
+              <a:rPr lang="it-IT" sz="700" dirty="0" err="1">
+                <a:latin typeface="Courier New" panose="02070309020205020404" pitchFamily="49" charset="0"/>
+                <a:cs typeface="Courier New" panose="02070309020205020404" pitchFamily="49" charset="0"/>
+              </a:rPr>
+              <a:t>a.question_idx.questionnaire_idx</a:t>
+            </a:r>
+            <a:r>
+              <a:rPr lang="it-IT" sz="700" dirty="0">
+                <a:latin typeface="Courier New" panose="02070309020205020404" pitchFamily="49" charset="0"/>
+                <a:cs typeface="Courier New" panose="02070309020205020404" pitchFamily="49" charset="0"/>
+              </a:rPr>
+              <a:t> = :</a:t>
+            </a:r>
+            <a:r>
+              <a:rPr lang="it-IT" sz="700" dirty="0" err="1">
+                <a:latin typeface="Courier New" panose="02070309020205020404" pitchFamily="49" charset="0"/>
+                <a:cs typeface="Courier New" panose="02070309020205020404" pitchFamily="49" charset="0"/>
+              </a:rPr>
+              <a:t>questionnaire</a:t>
+            </a:r>
+            <a:r>
+              <a:rPr lang="it-IT" sz="700" dirty="0">
+                <a:latin typeface="Courier New" panose="02070309020205020404" pitchFamily="49" charset="0"/>
+                <a:cs typeface="Courier New" panose="02070309020205020404" pitchFamily="49" charset="0"/>
+              </a:rPr>
+              <a:t>")</a:t>
+            </a:r>
+          </a:p>
+          <a:p>
+            <a:pPr marL="0" indent="0">
+              <a:buNone/>
+            </a:pPr>
+            <a:r>
+              <a:rPr lang="it-IT" sz="700" dirty="0">
+                <a:latin typeface="Courier New" panose="02070309020205020404" pitchFamily="49" charset="0"/>
+                <a:cs typeface="Courier New" panose="02070309020205020404" pitchFamily="49" charset="0"/>
+              </a:rPr>
+              <a:t>})</a:t>
+            </a:r>
+          </a:p>
+          <a:p>
+            <a:pPr marL="0" indent="0">
+              <a:buNone/>
+            </a:pPr>
+            <a:r>
+              <a:rPr lang="it-IT" sz="700" dirty="0">
+                <a:latin typeface="Courier New" panose="02070309020205020404" pitchFamily="49" charset="0"/>
+                <a:cs typeface="Courier New" panose="02070309020205020404" pitchFamily="49" charset="0"/>
+              </a:rPr>
+              <a:t>public </a:t>
+            </a:r>
+            <a:r>
+              <a:rPr lang="it-IT" sz="700" dirty="0" err="1">
+                <a:latin typeface="Courier New" panose="02070309020205020404" pitchFamily="49" charset="0"/>
+                <a:cs typeface="Courier New" panose="02070309020205020404" pitchFamily="49" charset="0"/>
+              </a:rPr>
+              <a:t>class</a:t>
+            </a:r>
+            <a:r>
+              <a:rPr lang="it-IT" sz="700" dirty="0">
+                <a:latin typeface="Courier New" panose="02070309020205020404" pitchFamily="49" charset="0"/>
+                <a:cs typeface="Courier New" panose="02070309020205020404" pitchFamily="49" charset="0"/>
+              </a:rPr>
+              <a:t> User </a:t>
+            </a:r>
+            <a:r>
+              <a:rPr lang="it-IT" sz="700" dirty="0" err="1">
+                <a:latin typeface="Courier New" panose="02070309020205020404" pitchFamily="49" charset="0"/>
+                <a:cs typeface="Courier New" panose="02070309020205020404" pitchFamily="49" charset="0"/>
+              </a:rPr>
+              <a:t>implements</a:t>
+            </a:r>
+            <a:r>
+              <a:rPr lang="it-IT" sz="700" dirty="0">
+                <a:latin typeface="Courier New" panose="02070309020205020404" pitchFamily="49" charset="0"/>
+                <a:cs typeface="Courier New" panose="02070309020205020404" pitchFamily="49" charset="0"/>
+              </a:rPr>
+              <a:t> </a:t>
+            </a:r>
+            <a:r>
+              <a:rPr lang="it-IT" sz="700" dirty="0" err="1">
+                <a:latin typeface="Courier New" panose="02070309020205020404" pitchFamily="49" charset="0"/>
+                <a:cs typeface="Courier New" panose="02070309020205020404" pitchFamily="49" charset="0"/>
+              </a:rPr>
+              <a:t>Serializable</a:t>
+            </a:r>
+            <a:r>
+              <a:rPr lang="it-IT" sz="700" dirty="0">
+                <a:latin typeface="Courier New" panose="02070309020205020404" pitchFamily="49" charset="0"/>
+                <a:cs typeface="Courier New" panose="02070309020205020404" pitchFamily="49" charset="0"/>
+              </a:rPr>
+              <a:t> {</a:t>
+            </a:r>
+          </a:p>
+          <a:p>
+            <a:pPr marL="0" indent="0">
+              <a:buNone/>
+            </a:pPr>
+            <a:r>
+              <a:rPr lang="it-IT" sz="700" dirty="0">
+                <a:latin typeface="Courier New" panose="02070309020205020404" pitchFamily="49" charset="0"/>
+                <a:cs typeface="Courier New" panose="02070309020205020404" pitchFamily="49" charset="0"/>
+              </a:rPr>
+              <a:t>	private </a:t>
+            </a:r>
+            <a:r>
+              <a:rPr lang="it-IT" sz="700" dirty="0" err="1">
+                <a:latin typeface="Courier New" panose="02070309020205020404" pitchFamily="49" charset="0"/>
+                <a:cs typeface="Courier New" panose="02070309020205020404" pitchFamily="49" charset="0"/>
+              </a:rPr>
+              <a:t>static</a:t>
+            </a:r>
+            <a:r>
+              <a:rPr lang="it-IT" sz="700" dirty="0">
+                <a:latin typeface="Courier New" panose="02070309020205020404" pitchFamily="49" charset="0"/>
+                <a:cs typeface="Courier New" panose="02070309020205020404" pitchFamily="49" charset="0"/>
+              </a:rPr>
+              <a:t> </a:t>
+            </a:r>
+            <a:r>
+              <a:rPr lang="it-IT" sz="700" dirty="0" err="1">
+                <a:latin typeface="Courier New" panose="02070309020205020404" pitchFamily="49" charset="0"/>
+                <a:cs typeface="Courier New" panose="02070309020205020404" pitchFamily="49" charset="0"/>
+              </a:rPr>
+              <a:t>final</a:t>
+            </a:r>
+            <a:r>
+              <a:rPr lang="it-IT" sz="700" dirty="0">
+                <a:latin typeface="Courier New" panose="02070309020205020404" pitchFamily="49" charset="0"/>
+                <a:cs typeface="Courier New" panose="02070309020205020404" pitchFamily="49" charset="0"/>
+              </a:rPr>
+              <a:t> long </a:t>
+            </a:r>
+            <a:r>
+              <a:rPr lang="it-IT" sz="700" b="1" i="1" dirty="0" err="1">
+                <a:latin typeface="Courier New" panose="02070309020205020404" pitchFamily="49" charset="0"/>
+                <a:cs typeface="Courier New" panose="02070309020205020404" pitchFamily="49" charset="0"/>
+              </a:rPr>
+              <a:t>serialVersionUID</a:t>
+            </a:r>
+            <a:r>
+              <a:rPr lang="it-IT" sz="700" dirty="0">
+                <a:latin typeface="Courier New" panose="02070309020205020404" pitchFamily="49" charset="0"/>
+                <a:cs typeface="Courier New" panose="02070309020205020404" pitchFamily="49" charset="0"/>
+              </a:rPr>
+              <a:t> = 1L;</a:t>
+            </a:r>
+          </a:p>
+          <a:p>
+            <a:pPr marL="0" indent="0">
+              <a:buNone/>
+            </a:pPr>
+            <a:endParaRPr lang="it-IT" sz="700" dirty="0">
               <a:latin typeface="Courier New" panose="02070309020205020404" pitchFamily="49" charset="0"/>
               <a:cs typeface="Courier New" panose="02070309020205020404" pitchFamily="49" charset="0"/>
             </a:endParaRPr>
@@ -6736,114 +7032,13 @@
               <a:buNone/>
             </a:pPr>
             <a:r>
-              <a:rPr lang="it-IT" dirty="0">
-                <a:latin typeface="Courier New" panose="02070309020205020404" pitchFamily="49" charset="0"/>
-                <a:cs typeface="Courier New" panose="02070309020205020404" pitchFamily="49" charset="0"/>
-              </a:rPr>
-              <a:t>public </a:t>
-            </a:r>
-            <a:r>
-              <a:rPr lang="it-IT" dirty="0" err="1">
-                <a:latin typeface="Courier New" panose="02070309020205020404" pitchFamily="49" charset="0"/>
-                <a:cs typeface="Courier New" panose="02070309020205020404" pitchFamily="49" charset="0"/>
-              </a:rPr>
-              <a:t>class</a:t>
-            </a:r>
-            <a:r>
-              <a:rPr lang="it-IT" dirty="0">
-                <a:latin typeface="Courier New" panose="02070309020205020404" pitchFamily="49" charset="0"/>
-                <a:cs typeface="Courier New" panose="02070309020205020404" pitchFamily="49" charset="0"/>
-              </a:rPr>
-              <a:t> User </a:t>
-            </a:r>
-            <a:r>
-              <a:rPr lang="it-IT" dirty="0" err="1">
-                <a:latin typeface="Courier New" panose="02070309020205020404" pitchFamily="49" charset="0"/>
-                <a:cs typeface="Courier New" panose="02070309020205020404" pitchFamily="49" charset="0"/>
-              </a:rPr>
-              <a:t>implements</a:t>
-            </a:r>
-            <a:r>
-              <a:rPr lang="it-IT" dirty="0">
-                <a:latin typeface="Courier New" panose="02070309020205020404" pitchFamily="49" charset="0"/>
-                <a:cs typeface="Courier New" panose="02070309020205020404" pitchFamily="49" charset="0"/>
-              </a:rPr>
-              <a:t> </a:t>
-            </a:r>
-            <a:r>
-              <a:rPr lang="it-IT" dirty="0" err="1">
-                <a:latin typeface="Courier New" panose="02070309020205020404" pitchFamily="49" charset="0"/>
-                <a:cs typeface="Courier New" panose="02070309020205020404" pitchFamily="49" charset="0"/>
-              </a:rPr>
-              <a:t>Serializable</a:t>
-            </a:r>
-            <a:r>
-              <a:rPr lang="it-IT" dirty="0">
-                <a:latin typeface="Courier New" panose="02070309020205020404" pitchFamily="49" charset="0"/>
-                <a:cs typeface="Courier New" panose="02070309020205020404" pitchFamily="49" charset="0"/>
-              </a:rPr>
-              <a:t> {</a:t>
-            </a:r>
-          </a:p>
-          <a:p>
-            <a:pPr marL="0" indent="0">
-              <a:buNone/>
-            </a:pPr>
-            <a:r>
-              <a:rPr lang="it-IT" dirty="0">
-                <a:latin typeface="Courier New" panose="02070309020205020404" pitchFamily="49" charset="0"/>
-                <a:cs typeface="Courier New" panose="02070309020205020404" pitchFamily="49" charset="0"/>
-              </a:rPr>
-              <a:t>	private </a:t>
-            </a:r>
-            <a:r>
-              <a:rPr lang="it-IT" dirty="0" err="1">
-                <a:latin typeface="Courier New" panose="02070309020205020404" pitchFamily="49" charset="0"/>
-                <a:cs typeface="Courier New" panose="02070309020205020404" pitchFamily="49" charset="0"/>
-              </a:rPr>
-              <a:t>static</a:t>
-            </a:r>
-            <a:r>
-              <a:rPr lang="it-IT" dirty="0">
-                <a:latin typeface="Courier New" panose="02070309020205020404" pitchFamily="49" charset="0"/>
-                <a:cs typeface="Courier New" panose="02070309020205020404" pitchFamily="49" charset="0"/>
-              </a:rPr>
-              <a:t> </a:t>
-            </a:r>
-            <a:r>
-              <a:rPr lang="it-IT" dirty="0" err="1">
-                <a:latin typeface="Courier New" panose="02070309020205020404" pitchFamily="49" charset="0"/>
-                <a:cs typeface="Courier New" panose="02070309020205020404" pitchFamily="49" charset="0"/>
-              </a:rPr>
-              <a:t>final</a:t>
-            </a:r>
-            <a:r>
-              <a:rPr lang="it-IT" dirty="0">
-                <a:latin typeface="Courier New" panose="02070309020205020404" pitchFamily="49" charset="0"/>
-                <a:cs typeface="Courier New" panose="02070309020205020404" pitchFamily="49" charset="0"/>
-              </a:rPr>
-              <a:t> long </a:t>
-            </a:r>
-            <a:r>
-              <a:rPr lang="it-IT" b="1" i="1" dirty="0" err="1">
-                <a:latin typeface="Courier New" panose="02070309020205020404" pitchFamily="49" charset="0"/>
-                <a:cs typeface="Courier New" panose="02070309020205020404" pitchFamily="49" charset="0"/>
-              </a:rPr>
-              <a:t>serialVersionUID</a:t>
-            </a:r>
-            <a:r>
-              <a:rPr lang="it-IT" dirty="0">
-                <a:latin typeface="Courier New" panose="02070309020205020404" pitchFamily="49" charset="0"/>
-                <a:cs typeface="Courier New" panose="02070309020205020404" pitchFamily="49" charset="0"/>
-              </a:rPr>
-              <a:t> = 1L;</a:t>
-            </a:r>
-          </a:p>
-          <a:p>
-            <a:pPr marL="0" indent="0">
-              <a:buNone/>
-            </a:pPr>
-            <a:endParaRPr lang="it-IT" dirty="0">
+              <a:rPr lang="it-IT" sz="700" i="1" dirty="0">
+                <a:latin typeface="Courier New" panose="02070309020205020404" pitchFamily="49" charset="0"/>
+                <a:cs typeface="Courier New" panose="02070309020205020404" pitchFamily="49" charset="0"/>
+              </a:rPr>
+              <a:t>	@Id</a:t>
+            </a:r>
+            <a:endParaRPr lang="it-IT" sz="700" dirty="0">
               <a:latin typeface="Courier New" panose="02070309020205020404" pitchFamily="49" charset="0"/>
               <a:cs typeface="Courier New" panose="02070309020205020404" pitchFamily="49" charset="0"/>
             </a:endParaRPr>
@@ -6853,13 +7048,140 @@
               <a:buNone/>
             </a:pPr>
             <a:r>
-              <a:rPr lang="it-IT" i="1" dirty="0">
-                <a:latin typeface="Courier New" panose="02070309020205020404" pitchFamily="49" charset="0"/>
-                <a:cs typeface="Courier New" panose="02070309020205020404" pitchFamily="49" charset="0"/>
-              </a:rPr>
-              <a:t>	@Id</a:t>
-            </a:r>
-            <a:endParaRPr lang="it-IT" dirty="0">
+              <a:rPr lang="it-IT" sz="700" i="1" dirty="0">
+                <a:latin typeface="Courier New" panose="02070309020205020404" pitchFamily="49" charset="0"/>
+                <a:cs typeface="Courier New" panose="02070309020205020404" pitchFamily="49" charset="0"/>
+              </a:rPr>
+              <a:t>	@</a:t>
+            </a:r>
+            <a:r>
+              <a:rPr lang="it-IT" sz="700" i="1" dirty="0" err="1">
+                <a:latin typeface="Courier New" panose="02070309020205020404" pitchFamily="49" charset="0"/>
+                <a:cs typeface="Courier New" panose="02070309020205020404" pitchFamily="49" charset="0"/>
+              </a:rPr>
+              <a:t>Column</a:t>
+            </a:r>
+            <a:r>
+              <a:rPr lang="it-IT" sz="700" dirty="0">
+                <a:latin typeface="Courier New" panose="02070309020205020404" pitchFamily="49" charset="0"/>
+                <a:cs typeface="Courier New" panose="02070309020205020404" pitchFamily="49" charset="0"/>
+              </a:rPr>
+              <a:t>(</a:t>
+            </a:r>
+            <a:r>
+              <a:rPr lang="it-IT" sz="700" dirty="0" err="1">
+                <a:latin typeface="Courier New" panose="02070309020205020404" pitchFamily="49" charset="0"/>
+                <a:cs typeface="Courier New" panose="02070309020205020404" pitchFamily="49" charset="0"/>
+              </a:rPr>
+              <a:t>name</a:t>
+            </a:r>
+            <a:r>
+              <a:rPr lang="it-IT" sz="700" dirty="0">
+                <a:latin typeface="Courier New" panose="02070309020205020404" pitchFamily="49" charset="0"/>
+                <a:cs typeface="Courier New" panose="02070309020205020404" pitchFamily="49" charset="0"/>
+              </a:rPr>
+              <a:t>="ID")</a:t>
+            </a:r>
+          </a:p>
+          <a:p>
+            <a:pPr marL="0" indent="0">
+              <a:buNone/>
+            </a:pPr>
+            <a:r>
+              <a:rPr lang="it-IT" sz="700" i="1" dirty="0">
+                <a:latin typeface="Courier New" panose="02070309020205020404" pitchFamily="49" charset="0"/>
+                <a:cs typeface="Courier New" panose="02070309020205020404" pitchFamily="49" charset="0"/>
+              </a:rPr>
+              <a:t>	@</a:t>
+            </a:r>
+            <a:r>
+              <a:rPr lang="it-IT" sz="700" i="1" dirty="0" err="1">
+                <a:latin typeface="Courier New" panose="02070309020205020404" pitchFamily="49" charset="0"/>
+                <a:cs typeface="Courier New" panose="02070309020205020404" pitchFamily="49" charset="0"/>
+              </a:rPr>
+              <a:t>GeneratedValue</a:t>
+            </a:r>
+            <a:r>
+              <a:rPr lang="it-IT" sz="700" dirty="0">
+                <a:latin typeface="Courier New" panose="02070309020205020404" pitchFamily="49" charset="0"/>
+                <a:cs typeface="Courier New" panose="02070309020205020404" pitchFamily="49" charset="0"/>
+              </a:rPr>
+              <a:t>(</a:t>
+            </a:r>
+            <a:r>
+              <a:rPr lang="it-IT" sz="700" dirty="0" err="1">
+                <a:latin typeface="Courier New" panose="02070309020205020404" pitchFamily="49" charset="0"/>
+                <a:cs typeface="Courier New" panose="02070309020205020404" pitchFamily="49" charset="0"/>
+              </a:rPr>
+              <a:t>strategy</a:t>
+            </a:r>
+            <a:r>
+              <a:rPr lang="it-IT" sz="700" dirty="0">
+                <a:latin typeface="Courier New" panose="02070309020205020404" pitchFamily="49" charset="0"/>
+                <a:cs typeface="Courier New" panose="02070309020205020404" pitchFamily="49" charset="0"/>
+              </a:rPr>
+              <a:t> = </a:t>
+            </a:r>
+            <a:r>
+              <a:rPr lang="it-IT" sz="700" i="1" dirty="0" err="1">
+                <a:latin typeface="Courier New" panose="02070309020205020404" pitchFamily="49" charset="0"/>
+                <a:cs typeface="Courier New" panose="02070309020205020404" pitchFamily="49" charset="0"/>
+              </a:rPr>
+              <a:t>GenerationType</a:t>
+            </a:r>
+            <a:r>
+              <a:rPr lang="it-IT" sz="700" dirty="0" err="1">
+                <a:latin typeface="Courier New" panose="02070309020205020404" pitchFamily="49" charset="0"/>
+                <a:cs typeface="Courier New" panose="02070309020205020404" pitchFamily="49" charset="0"/>
+              </a:rPr>
+              <a:t>.</a:t>
+            </a:r>
+            <a:r>
+              <a:rPr lang="it-IT" sz="700" b="1" i="1" dirty="0" err="1">
+                <a:latin typeface="Courier New" panose="02070309020205020404" pitchFamily="49" charset="0"/>
+                <a:cs typeface="Courier New" panose="02070309020205020404" pitchFamily="49" charset="0"/>
+              </a:rPr>
+              <a:t>IDENTITY</a:t>
+            </a:r>
+            <a:r>
+              <a:rPr lang="it-IT" sz="700" dirty="0">
+                <a:latin typeface="Courier New" panose="02070309020205020404" pitchFamily="49" charset="0"/>
+                <a:cs typeface="Courier New" panose="02070309020205020404" pitchFamily="49" charset="0"/>
+              </a:rPr>
+              <a:t>)</a:t>
+            </a:r>
+          </a:p>
+          <a:p>
+            <a:pPr marL="0" indent="0">
+              <a:buNone/>
+            </a:pPr>
+            <a:r>
+              <a:rPr lang="it-IT" sz="700" dirty="0">
+                <a:latin typeface="Courier New" panose="02070309020205020404" pitchFamily="49" charset="0"/>
+                <a:cs typeface="Courier New" panose="02070309020205020404" pitchFamily="49" charset="0"/>
+              </a:rPr>
+              <a:t>	private </a:t>
+            </a:r>
+            <a:r>
+              <a:rPr lang="it-IT" sz="700" dirty="0" err="1">
+                <a:latin typeface="Courier New" panose="02070309020205020404" pitchFamily="49" charset="0"/>
+                <a:cs typeface="Courier New" panose="02070309020205020404" pitchFamily="49" charset="0"/>
+              </a:rPr>
+              <a:t>int</a:t>
+            </a:r>
+            <a:r>
+              <a:rPr lang="it-IT" sz="700" dirty="0">
+                <a:latin typeface="Courier New" panose="02070309020205020404" pitchFamily="49" charset="0"/>
+                <a:cs typeface="Courier New" panose="02070309020205020404" pitchFamily="49" charset="0"/>
+              </a:rPr>
+              <a:t> ID;</a:t>
+            </a:r>
+          </a:p>
+          <a:p>
+            <a:pPr marL="0" indent="0">
+              <a:buNone/>
+            </a:pPr>
+            <a:endParaRPr lang="it-IT" sz="700" dirty="0">
               <a:latin typeface="Courier New" panose="02070309020205020404" pitchFamily="49" charset="0"/>
               <a:cs typeface="Courier New" panose="02070309020205020404" pitchFamily="49" charset="0"/>
             </a:endParaRPr>
@@ -6869,140 +7191,178 @@
               <a:buNone/>
             </a:pPr>
             <a:r>
-              <a:rPr lang="it-IT" i="1" dirty="0">
-                <a:latin typeface="Courier New" panose="02070309020205020404" pitchFamily="49" charset="0"/>
-                <a:cs typeface="Courier New" panose="02070309020205020404" pitchFamily="49" charset="0"/>
-              </a:rPr>
-              <a:t>	@</a:t>
-            </a:r>
-            <a:r>
-              <a:rPr lang="it-IT" i="1" dirty="0" err="1">
-                <a:latin typeface="Courier New" panose="02070309020205020404" pitchFamily="49" charset="0"/>
-                <a:cs typeface="Courier New" panose="02070309020205020404" pitchFamily="49" charset="0"/>
-              </a:rPr>
-              <a:t>Column</a:t>
-            </a:r>
-            <a:r>
-              <a:rPr lang="it-IT" dirty="0">
-                <a:latin typeface="Courier New" panose="02070309020205020404" pitchFamily="49" charset="0"/>
-                <a:cs typeface="Courier New" panose="02070309020205020404" pitchFamily="49" charset="0"/>
-              </a:rPr>
-              <a:t>(</a:t>
-            </a:r>
-            <a:r>
-              <a:rPr lang="it-IT" dirty="0" err="1">
-                <a:latin typeface="Courier New" panose="02070309020205020404" pitchFamily="49" charset="0"/>
-                <a:cs typeface="Courier New" panose="02070309020205020404" pitchFamily="49" charset="0"/>
-              </a:rPr>
-              <a:t>name</a:t>
-            </a:r>
-            <a:r>
-              <a:rPr lang="it-IT" dirty="0">
-                <a:latin typeface="Courier New" panose="02070309020205020404" pitchFamily="49" charset="0"/>
-                <a:cs typeface="Courier New" panose="02070309020205020404" pitchFamily="49" charset="0"/>
-              </a:rPr>
-              <a:t>="ID")</a:t>
-            </a:r>
-          </a:p>
-          <a:p>
-            <a:pPr marL="0" indent="0">
-              <a:buNone/>
-            </a:pPr>
-            <a:r>
-              <a:rPr lang="it-IT" i="1" dirty="0">
-                <a:latin typeface="Courier New" panose="02070309020205020404" pitchFamily="49" charset="0"/>
-                <a:cs typeface="Courier New" panose="02070309020205020404" pitchFamily="49" charset="0"/>
-              </a:rPr>
-              <a:t>	@</a:t>
-            </a:r>
-            <a:r>
-              <a:rPr lang="it-IT" i="1" dirty="0" err="1">
-                <a:latin typeface="Courier New" panose="02070309020205020404" pitchFamily="49" charset="0"/>
-                <a:cs typeface="Courier New" panose="02070309020205020404" pitchFamily="49" charset="0"/>
-              </a:rPr>
-              <a:t>GeneratedValue</a:t>
-            </a:r>
-            <a:r>
-              <a:rPr lang="it-IT" dirty="0">
-                <a:latin typeface="Courier New" panose="02070309020205020404" pitchFamily="49" charset="0"/>
-                <a:cs typeface="Courier New" panose="02070309020205020404" pitchFamily="49" charset="0"/>
-              </a:rPr>
-              <a:t>(</a:t>
-            </a:r>
-            <a:r>
-              <a:rPr lang="it-IT" dirty="0" err="1">
-                <a:latin typeface="Courier New" panose="02070309020205020404" pitchFamily="49" charset="0"/>
-                <a:cs typeface="Courier New" panose="02070309020205020404" pitchFamily="49" charset="0"/>
-              </a:rPr>
-              <a:t>strategy</a:t>
-            </a:r>
-            <a:r>
-              <a:rPr lang="it-IT" dirty="0">
-                <a:latin typeface="Courier New" panose="02070309020205020404" pitchFamily="49" charset="0"/>
-                <a:cs typeface="Courier New" panose="02070309020205020404" pitchFamily="49" charset="0"/>
-              </a:rPr>
-              <a:t> = </a:t>
-            </a:r>
-            <a:r>
-              <a:rPr lang="it-IT" i="1" dirty="0" err="1">
-                <a:latin typeface="Courier New" panose="02070309020205020404" pitchFamily="49" charset="0"/>
-                <a:cs typeface="Courier New" panose="02070309020205020404" pitchFamily="49" charset="0"/>
-              </a:rPr>
-              <a:t>GenerationType</a:t>
-            </a:r>
-            <a:r>
-              <a:rPr lang="it-IT" dirty="0" err="1">
-                <a:latin typeface="Courier New" panose="02070309020205020404" pitchFamily="49" charset="0"/>
-                <a:cs typeface="Courier New" panose="02070309020205020404" pitchFamily="49" charset="0"/>
-              </a:rPr>
-              <a:t>.</a:t>
-            </a:r>
-            <a:r>
-              <a:rPr lang="it-IT" b="1" i="1" dirty="0" err="1">
-                <a:latin typeface="Courier New" panose="02070309020205020404" pitchFamily="49" charset="0"/>
-                <a:cs typeface="Courier New" panose="02070309020205020404" pitchFamily="49" charset="0"/>
-              </a:rPr>
-              <a:t>IDENTITY</a:t>
-            </a:r>
-            <a:r>
-              <a:rPr lang="it-IT" dirty="0">
-                <a:latin typeface="Courier New" panose="02070309020205020404" pitchFamily="49" charset="0"/>
-                <a:cs typeface="Courier New" panose="02070309020205020404" pitchFamily="49" charset="0"/>
-              </a:rPr>
-              <a:t>)</a:t>
-            </a:r>
-          </a:p>
-          <a:p>
-            <a:pPr marL="0" indent="0">
-              <a:buNone/>
-            </a:pPr>
-            <a:r>
-              <a:rPr lang="it-IT" dirty="0">
+              <a:rPr lang="it-IT" sz="700" dirty="0">
                 <a:latin typeface="Courier New" panose="02070309020205020404" pitchFamily="49" charset="0"/>
                 <a:cs typeface="Courier New" panose="02070309020205020404" pitchFamily="49" charset="0"/>
               </a:rPr>
               <a:t>	private </a:t>
             </a:r>
             <a:r>
-              <a:rPr lang="it-IT" dirty="0" err="1">
-                <a:latin typeface="Courier New" panose="02070309020205020404" pitchFamily="49" charset="0"/>
-                <a:cs typeface="Courier New" panose="02070309020205020404" pitchFamily="49" charset="0"/>
-              </a:rPr>
-              <a:t>int</a:t>
-            </a:r>
-            <a:r>
-              <a:rPr lang="it-IT" dirty="0">
-                <a:latin typeface="Courier New" panose="02070309020205020404" pitchFamily="49" charset="0"/>
-                <a:cs typeface="Courier New" panose="02070309020205020404" pitchFamily="49" charset="0"/>
-              </a:rPr>
-              <a:t> ID;</a:t>
-            </a:r>
-          </a:p>
-          <a:p>
-            <a:pPr marL="0" indent="0">
-              <a:buNone/>
-            </a:pPr>
-            <a:endParaRPr lang="it-IT" dirty="0">
+              <a:rPr lang="it-IT" sz="700" dirty="0" err="1">
+                <a:latin typeface="Courier New" panose="02070309020205020404" pitchFamily="49" charset="0"/>
+                <a:cs typeface="Courier New" panose="02070309020205020404" pitchFamily="49" charset="0"/>
+              </a:rPr>
+              <a:t>String</a:t>
+            </a:r>
+            <a:r>
+              <a:rPr lang="it-IT" sz="700" dirty="0">
+                <a:latin typeface="Courier New" panose="02070309020205020404" pitchFamily="49" charset="0"/>
+                <a:cs typeface="Courier New" panose="02070309020205020404" pitchFamily="49" charset="0"/>
+              </a:rPr>
+              <a:t> username;</a:t>
+            </a:r>
+          </a:p>
+          <a:p>
+            <a:pPr marL="0" indent="0">
+              <a:buNone/>
+            </a:pPr>
+            <a:r>
+              <a:rPr lang="it-IT" sz="700" dirty="0">
+                <a:latin typeface="Courier New" panose="02070309020205020404" pitchFamily="49" charset="0"/>
+                <a:cs typeface="Courier New" panose="02070309020205020404" pitchFamily="49" charset="0"/>
+              </a:rPr>
+              <a:t>	private </a:t>
+            </a:r>
+            <a:r>
+              <a:rPr lang="it-IT" sz="700" dirty="0" err="1">
+                <a:latin typeface="Courier New" panose="02070309020205020404" pitchFamily="49" charset="0"/>
+                <a:cs typeface="Courier New" panose="02070309020205020404" pitchFamily="49" charset="0"/>
+              </a:rPr>
+              <a:t>String</a:t>
+            </a:r>
+            <a:r>
+              <a:rPr lang="it-IT" sz="700" dirty="0">
+                <a:latin typeface="Courier New" panose="02070309020205020404" pitchFamily="49" charset="0"/>
+                <a:cs typeface="Courier New" panose="02070309020205020404" pitchFamily="49" charset="0"/>
+              </a:rPr>
+              <a:t> </a:t>
+            </a:r>
+            <a:r>
+              <a:rPr lang="it-IT" sz="700" dirty="0" err="1">
+                <a:latin typeface="Courier New" panose="02070309020205020404" pitchFamily="49" charset="0"/>
+                <a:cs typeface="Courier New" panose="02070309020205020404" pitchFamily="49" charset="0"/>
+              </a:rPr>
+              <a:t>passwd</a:t>
+            </a:r>
+            <a:r>
+              <a:rPr lang="it-IT" sz="700" dirty="0">
+                <a:latin typeface="Courier New" panose="02070309020205020404" pitchFamily="49" charset="0"/>
+                <a:cs typeface="Courier New" panose="02070309020205020404" pitchFamily="49" charset="0"/>
+              </a:rPr>
+              <a:t>;</a:t>
+            </a:r>
+          </a:p>
+          <a:p>
+            <a:pPr marL="0" indent="0">
+              <a:buNone/>
+            </a:pPr>
+            <a:r>
+              <a:rPr lang="it-IT" sz="700" dirty="0">
+                <a:latin typeface="Courier New" panose="02070309020205020404" pitchFamily="49" charset="0"/>
+                <a:cs typeface="Courier New" panose="02070309020205020404" pitchFamily="49" charset="0"/>
+              </a:rPr>
+              <a:t>	private </a:t>
+            </a:r>
+            <a:r>
+              <a:rPr lang="it-IT" sz="700" dirty="0" err="1">
+                <a:latin typeface="Courier New" panose="02070309020205020404" pitchFamily="49" charset="0"/>
+                <a:cs typeface="Courier New" panose="02070309020205020404" pitchFamily="49" charset="0"/>
+              </a:rPr>
+              <a:t>String</a:t>
+            </a:r>
+            <a:r>
+              <a:rPr lang="it-IT" sz="700" dirty="0">
+                <a:latin typeface="Courier New" panose="02070309020205020404" pitchFamily="49" charset="0"/>
+                <a:cs typeface="Courier New" panose="02070309020205020404" pitchFamily="49" charset="0"/>
+              </a:rPr>
+              <a:t> email;</a:t>
+            </a:r>
+          </a:p>
+          <a:p>
+            <a:pPr marL="0" indent="0">
+              <a:buNone/>
+            </a:pPr>
+            <a:r>
+              <a:rPr lang="it-IT" sz="700" dirty="0">
+                <a:latin typeface="Courier New" panose="02070309020205020404" pitchFamily="49" charset="0"/>
+                <a:cs typeface="Courier New" panose="02070309020205020404" pitchFamily="49" charset="0"/>
+              </a:rPr>
+              <a:t>	private </a:t>
+            </a:r>
+            <a:r>
+              <a:rPr lang="it-IT" sz="700" dirty="0" err="1">
+                <a:latin typeface="Courier New" panose="02070309020205020404" pitchFamily="49" charset="0"/>
+                <a:cs typeface="Courier New" panose="02070309020205020404" pitchFamily="49" charset="0"/>
+              </a:rPr>
+              <a:t>String</a:t>
+            </a:r>
+            <a:r>
+              <a:rPr lang="it-IT" sz="700" dirty="0">
+                <a:latin typeface="Courier New" panose="02070309020205020404" pitchFamily="49" charset="0"/>
+                <a:cs typeface="Courier New" panose="02070309020205020404" pitchFamily="49" charset="0"/>
+              </a:rPr>
+              <a:t> </a:t>
+            </a:r>
+            <a:r>
+              <a:rPr lang="it-IT" sz="700" dirty="0" err="1">
+                <a:latin typeface="Courier New" panose="02070309020205020404" pitchFamily="49" charset="0"/>
+                <a:cs typeface="Courier New" panose="02070309020205020404" pitchFamily="49" charset="0"/>
+              </a:rPr>
+              <a:t>last_login</a:t>
+            </a:r>
+            <a:r>
+              <a:rPr lang="it-IT" sz="700" dirty="0">
+                <a:latin typeface="Courier New" panose="02070309020205020404" pitchFamily="49" charset="0"/>
+                <a:cs typeface="Courier New" panose="02070309020205020404" pitchFamily="49" charset="0"/>
+              </a:rPr>
+              <a:t>;</a:t>
+            </a:r>
+          </a:p>
+          <a:p>
+            <a:pPr marL="0" indent="0">
+              <a:buNone/>
+            </a:pPr>
+            <a:r>
+              <a:rPr lang="it-IT" sz="700" dirty="0">
+                <a:latin typeface="Courier New" panose="02070309020205020404" pitchFamily="49" charset="0"/>
+                <a:cs typeface="Courier New" panose="02070309020205020404" pitchFamily="49" charset="0"/>
+              </a:rPr>
+              <a:t>	private </a:t>
+            </a:r>
+            <a:r>
+              <a:rPr lang="it-IT" sz="700" dirty="0" err="1">
+                <a:latin typeface="Courier New" panose="02070309020205020404" pitchFamily="49" charset="0"/>
+                <a:cs typeface="Courier New" panose="02070309020205020404" pitchFamily="49" charset="0"/>
+              </a:rPr>
+              <a:t>String</a:t>
+            </a:r>
+            <a:r>
+              <a:rPr lang="it-IT" sz="700" dirty="0">
+                <a:latin typeface="Courier New" panose="02070309020205020404" pitchFamily="49" charset="0"/>
+                <a:cs typeface="Courier New" panose="02070309020205020404" pitchFamily="49" charset="0"/>
+              </a:rPr>
+              <a:t> </a:t>
+            </a:r>
+            <a:r>
+              <a:rPr lang="it-IT" sz="700" dirty="0" err="1">
+                <a:latin typeface="Courier New" panose="02070309020205020404" pitchFamily="49" charset="0"/>
+                <a:cs typeface="Courier New" panose="02070309020205020404" pitchFamily="49" charset="0"/>
+              </a:rPr>
+              <a:t>user_type</a:t>
+            </a:r>
+            <a:r>
+              <a:rPr lang="it-IT" sz="700" dirty="0">
+                <a:latin typeface="Courier New" panose="02070309020205020404" pitchFamily="49" charset="0"/>
+                <a:cs typeface="Courier New" panose="02070309020205020404" pitchFamily="49" charset="0"/>
+              </a:rPr>
+              <a:t>;</a:t>
+            </a:r>
+          </a:p>
+          <a:p>
+            <a:pPr marL="0" indent="0">
+              <a:buNone/>
+            </a:pPr>
+            <a:endParaRPr lang="it-IT" sz="700" dirty="0">
               <a:latin typeface="Courier New" panose="02070309020205020404" pitchFamily="49" charset="0"/>
               <a:cs typeface="Courier New" panose="02070309020205020404" pitchFamily="49" charset="0"/>
             </a:endParaRPr>
@@ -7012,478 +7372,297 @@
               <a:buNone/>
             </a:pPr>
             <a:r>
-              <a:rPr lang="it-IT" dirty="0">
-                <a:latin typeface="Courier New" panose="02070309020205020404" pitchFamily="49" charset="0"/>
-                <a:cs typeface="Courier New" panose="02070309020205020404" pitchFamily="49" charset="0"/>
-              </a:rPr>
-              <a:t>	private </a:t>
-            </a:r>
-            <a:r>
-              <a:rPr lang="it-IT" dirty="0" err="1">
-                <a:latin typeface="Courier New" panose="02070309020205020404" pitchFamily="49" charset="0"/>
-                <a:cs typeface="Courier New" panose="02070309020205020404" pitchFamily="49" charset="0"/>
-              </a:rPr>
-              <a:t>String</a:t>
-            </a:r>
-            <a:r>
-              <a:rPr lang="it-IT" dirty="0">
-                <a:latin typeface="Courier New" panose="02070309020205020404" pitchFamily="49" charset="0"/>
-                <a:cs typeface="Courier New" panose="02070309020205020404" pitchFamily="49" charset="0"/>
-              </a:rPr>
-              <a:t> username;</a:t>
-            </a:r>
-          </a:p>
-          <a:p>
-            <a:pPr marL="0" indent="0">
-              <a:buNone/>
-            </a:pPr>
-            <a:r>
-              <a:rPr lang="it-IT" dirty="0">
-                <a:latin typeface="Courier New" panose="02070309020205020404" pitchFamily="49" charset="0"/>
-                <a:cs typeface="Courier New" panose="02070309020205020404" pitchFamily="49" charset="0"/>
-              </a:rPr>
-              <a:t>	private </a:t>
-            </a:r>
-            <a:r>
-              <a:rPr lang="it-IT" dirty="0" err="1">
-                <a:latin typeface="Courier New" panose="02070309020205020404" pitchFamily="49" charset="0"/>
-                <a:cs typeface="Courier New" panose="02070309020205020404" pitchFamily="49" charset="0"/>
-              </a:rPr>
-              <a:t>String</a:t>
-            </a:r>
-            <a:r>
-              <a:rPr lang="it-IT" dirty="0">
-                <a:latin typeface="Courier New" panose="02070309020205020404" pitchFamily="49" charset="0"/>
-                <a:cs typeface="Courier New" panose="02070309020205020404" pitchFamily="49" charset="0"/>
-              </a:rPr>
-              <a:t> </a:t>
-            </a:r>
-            <a:r>
-              <a:rPr lang="it-IT" dirty="0" err="1">
-                <a:latin typeface="Courier New" panose="02070309020205020404" pitchFamily="49" charset="0"/>
-                <a:cs typeface="Courier New" panose="02070309020205020404" pitchFamily="49" charset="0"/>
-              </a:rPr>
-              <a:t>passwd</a:t>
-            </a:r>
-            <a:r>
-              <a:rPr lang="it-IT" dirty="0">
-                <a:latin typeface="Courier New" panose="02070309020205020404" pitchFamily="49" charset="0"/>
-                <a:cs typeface="Courier New" panose="02070309020205020404" pitchFamily="49" charset="0"/>
-              </a:rPr>
-              <a:t>;</a:t>
-            </a:r>
-          </a:p>
-          <a:p>
-            <a:pPr marL="0" indent="0">
-              <a:buNone/>
-            </a:pPr>
-            <a:r>
-              <a:rPr lang="it-IT" dirty="0">
-                <a:latin typeface="Courier New" panose="02070309020205020404" pitchFamily="49" charset="0"/>
-                <a:cs typeface="Courier New" panose="02070309020205020404" pitchFamily="49" charset="0"/>
-              </a:rPr>
-              <a:t>	private </a:t>
-            </a:r>
-            <a:r>
-              <a:rPr lang="it-IT" dirty="0" err="1">
-                <a:latin typeface="Courier New" panose="02070309020205020404" pitchFamily="49" charset="0"/>
-                <a:cs typeface="Courier New" panose="02070309020205020404" pitchFamily="49" charset="0"/>
-              </a:rPr>
-              <a:t>String</a:t>
-            </a:r>
-            <a:r>
-              <a:rPr lang="it-IT" dirty="0">
-                <a:latin typeface="Courier New" panose="02070309020205020404" pitchFamily="49" charset="0"/>
-                <a:cs typeface="Courier New" panose="02070309020205020404" pitchFamily="49" charset="0"/>
-              </a:rPr>
-              <a:t> email;</a:t>
-            </a:r>
-          </a:p>
-          <a:p>
-            <a:pPr marL="0" indent="0">
-              <a:buNone/>
-            </a:pPr>
-            <a:r>
-              <a:rPr lang="it-IT" dirty="0">
-                <a:latin typeface="Courier New" panose="02070309020205020404" pitchFamily="49" charset="0"/>
-                <a:cs typeface="Courier New" panose="02070309020205020404" pitchFamily="49" charset="0"/>
-              </a:rPr>
-              <a:t>	private </a:t>
-            </a:r>
-            <a:r>
-              <a:rPr lang="it-IT" dirty="0" err="1">
-                <a:latin typeface="Courier New" panose="02070309020205020404" pitchFamily="49" charset="0"/>
-                <a:cs typeface="Courier New" panose="02070309020205020404" pitchFamily="49" charset="0"/>
-              </a:rPr>
-              <a:t>String</a:t>
-            </a:r>
-            <a:r>
-              <a:rPr lang="it-IT" dirty="0">
-                <a:latin typeface="Courier New" panose="02070309020205020404" pitchFamily="49" charset="0"/>
-                <a:cs typeface="Courier New" panose="02070309020205020404" pitchFamily="49" charset="0"/>
-              </a:rPr>
-              <a:t> </a:t>
-            </a:r>
-            <a:r>
-              <a:rPr lang="it-IT" dirty="0" err="1">
-                <a:latin typeface="Courier New" panose="02070309020205020404" pitchFamily="49" charset="0"/>
-                <a:cs typeface="Courier New" panose="02070309020205020404" pitchFamily="49" charset="0"/>
-              </a:rPr>
-              <a:t>last_login</a:t>
-            </a:r>
-            <a:r>
-              <a:rPr lang="it-IT" dirty="0">
-                <a:latin typeface="Courier New" panose="02070309020205020404" pitchFamily="49" charset="0"/>
-                <a:cs typeface="Courier New" panose="02070309020205020404" pitchFamily="49" charset="0"/>
-              </a:rPr>
-              <a:t>;</a:t>
-            </a:r>
-          </a:p>
-          <a:p>
-            <a:pPr marL="0" indent="0">
-              <a:buNone/>
-            </a:pPr>
-            <a:r>
-              <a:rPr lang="it-IT" dirty="0">
-                <a:latin typeface="Courier New" panose="02070309020205020404" pitchFamily="49" charset="0"/>
-                <a:cs typeface="Courier New" panose="02070309020205020404" pitchFamily="49" charset="0"/>
-              </a:rPr>
-              <a:t>	private </a:t>
-            </a:r>
-            <a:r>
-              <a:rPr lang="it-IT" dirty="0" err="1">
-                <a:latin typeface="Courier New" panose="02070309020205020404" pitchFamily="49" charset="0"/>
-                <a:cs typeface="Courier New" panose="02070309020205020404" pitchFamily="49" charset="0"/>
-              </a:rPr>
-              <a:t>String</a:t>
-            </a:r>
-            <a:r>
-              <a:rPr lang="it-IT" dirty="0">
-                <a:latin typeface="Courier New" panose="02070309020205020404" pitchFamily="49" charset="0"/>
-                <a:cs typeface="Courier New" panose="02070309020205020404" pitchFamily="49" charset="0"/>
-              </a:rPr>
-              <a:t> </a:t>
-            </a:r>
-            <a:r>
-              <a:rPr lang="it-IT" dirty="0" err="1">
-                <a:latin typeface="Courier New" panose="02070309020205020404" pitchFamily="49" charset="0"/>
-                <a:cs typeface="Courier New" panose="02070309020205020404" pitchFamily="49" charset="0"/>
-              </a:rPr>
-              <a:t>user_type</a:t>
-            </a:r>
-            <a:r>
-              <a:rPr lang="it-IT" dirty="0">
-                <a:latin typeface="Courier New" panose="02070309020205020404" pitchFamily="49" charset="0"/>
-                <a:cs typeface="Courier New" panose="02070309020205020404" pitchFamily="49" charset="0"/>
-              </a:rPr>
-              <a:t>;</a:t>
-            </a:r>
-          </a:p>
-          <a:p>
-            <a:pPr marL="0" indent="0">
-              <a:buNone/>
-            </a:pPr>
-            <a:endParaRPr lang="it-IT" dirty="0">
+              <a:rPr lang="it-IT" sz="700" i="1" dirty="0">
+                <a:latin typeface="Courier New" panose="02070309020205020404" pitchFamily="49" charset="0"/>
+                <a:cs typeface="Courier New" panose="02070309020205020404" pitchFamily="49" charset="0"/>
+              </a:rPr>
+              <a:t>	@</a:t>
+            </a:r>
+            <a:r>
+              <a:rPr lang="it-IT" sz="700" i="1" dirty="0" err="1">
+                <a:latin typeface="Courier New" panose="02070309020205020404" pitchFamily="49" charset="0"/>
+                <a:cs typeface="Courier New" panose="02070309020205020404" pitchFamily="49" charset="0"/>
+              </a:rPr>
+              <a:t>OneToMany</a:t>
+            </a:r>
+            <a:r>
+              <a:rPr lang="it-IT" sz="700" dirty="0">
+                <a:latin typeface="Courier New" panose="02070309020205020404" pitchFamily="49" charset="0"/>
+                <a:cs typeface="Courier New" panose="02070309020205020404" pitchFamily="49" charset="0"/>
+              </a:rPr>
+              <a:t>(</a:t>
+            </a:r>
+            <a:r>
+              <a:rPr lang="it-IT" sz="700" dirty="0" err="1">
+                <a:latin typeface="Courier New" panose="02070309020205020404" pitchFamily="49" charset="0"/>
+                <a:cs typeface="Courier New" panose="02070309020205020404" pitchFamily="49" charset="0"/>
+              </a:rPr>
+              <a:t>fetch</a:t>
+            </a:r>
+            <a:r>
+              <a:rPr lang="it-IT" sz="700" dirty="0">
+                <a:latin typeface="Courier New" panose="02070309020205020404" pitchFamily="49" charset="0"/>
+                <a:cs typeface="Courier New" panose="02070309020205020404" pitchFamily="49" charset="0"/>
+              </a:rPr>
+              <a:t> = </a:t>
+            </a:r>
+            <a:r>
+              <a:rPr lang="it-IT" sz="700" i="1" dirty="0" err="1">
+                <a:latin typeface="Courier New" panose="02070309020205020404" pitchFamily="49" charset="0"/>
+                <a:cs typeface="Courier New" panose="02070309020205020404" pitchFamily="49" charset="0"/>
+              </a:rPr>
+              <a:t>FetchType</a:t>
+            </a:r>
+            <a:r>
+              <a:rPr lang="it-IT" sz="700" dirty="0" err="1">
+                <a:latin typeface="Courier New" panose="02070309020205020404" pitchFamily="49" charset="0"/>
+                <a:cs typeface="Courier New" panose="02070309020205020404" pitchFamily="49" charset="0"/>
+              </a:rPr>
+              <a:t>.</a:t>
+            </a:r>
+            <a:r>
+              <a:rPr lang="it-IT" sz="700" b="1" i="1" dirty="0" err="1">
+                <a:latin typeface="Courier New" panose="02070309020205020404" pitchFamily="49" charset="0"/>
+                <a:cs typeface="Courier New" panose="02070309020205020404" pitchFamily="49" charset="0"/>
+              </a:rPr>
+              <a:t>LAZY</a:t>
+            </a:r>
+            <a:r>
+              <a:rPr lang="it-IT" sz="700" dirty="0">
+                <a:latin typeface="Courier New" panose="02070309020205020404" pitchFamily="49" charset="0"/>
+                <a:cs typeface="Courier New" panose="02070309020205020404" pitchFamily="49" charset="0"/>
+              </a:rPr>
+              <a:t>, </a:t>
+            </a:r>
+            <a:r>
+              <a:rPr lang="it-IT" sz="700" dirty="0" err="1">
+                <a:latin typeface="Courier New" panose="02070309020205020404" pitchFamily="49" charset="0"/>
+                <a:cs typeface="Courier New" panose="02070309020205020404" pitchFamily="49" charset="0"/>
+              </a:rPr>
+              <a:t>mappedBy</a:t>
+            </a:r>
+            <a:r>
+              <a:rPr lang="it-IT" sz="700" dirty="0">
+                <a:latin typeface="Courier New" panose="02070309020205020404" pitchFamily="49" charset="0"/>
+                <a:cs typeface="Courier New" panose="02070309020205020404" pitchFamily="49" charset="0"/>
+              </a:rPr>
+              <a:t> = "</a:t>
+            </a:r>
+            <a:r>
+              <a:rPr lang="it-IT" sz="700" dirty="0" err="1">
+                <a:latin typeface="Courier New" panose="02070309020205020404" pitchFamily="49" charset="0"/>
+                <a:cs typeface="Courier New" panose="02070309020205020404" pitchFamily="49" charset="0"/>
+              </a:rPr>
+              <a:t>user_idx</a:t>
+            </a:r>
+            <a:r>
+              <a:rPr lang="it-IT" sz="700" dirty="0">
+                <a:latin typeface="Courier New" panose="02070309020205020404" pitchFamily="49" charset="0"/>
+                <a:cs typeface="Courier New" panose="02070309020205020404" pitchFamily="49" charset="0"/>
+              </a:rPr>
+              <a:t>", </a:t>
+            </a:r>
+            <a:r>
+              <a:rPr lang="it-IT" sz="700" dirty="0" err="1">
+                <a:latin typeface="Courier New" panose="02070309020205020404" pitchFamily="49" charset="0"/>
+                <a:cs typeface="Courier New" panose="02070309020205020404" pitchFamily="49" charset="0"/>
+              </a:rPr>
+              <a:t>cascade</a:t>
+            </a:r>
+            <a:r>
+              <a:rPr lang="it-IT" sz="700" dirty="0">
+                <a:latin typeface="Courier New" panose="02070309020205020404" pitchFamily="49" charset="0"/>
+                <a:cs typeface="Courier New" panose="02070309020205020404" pitchFamily="49" charset="0"/>
+              </a:rPr>
+              <a:t> = { </a:t>
+            </a:r>
+            <a:r>
+              <a:rPr lang="it-IT" sz="700" i="1" dirty="0" err="1">
+                <a:latin typeface="Courier New" panose="02070309020205020404" pitchFamily="49" charset="0"/>
+                <a:cs typeface="Courier New" panose="02070309020205020404" pitchFamily="49" charset="0"/>
+              </a:rPr>
+              <a:t>CascadeType</a:t>
+            </a:r>
+            <a:r>
+              <a:rPr lang="it-IT" sz="700" dirty="0" err="1">
+                <a:latin typeface="Courier New" panose="02070309020205020404" pitchFamily="49" charset="0"/>
+                <a:cs typeface="Courier New" panose="02070309020205020404" pitchFamily="49" charset="0"/>
+              </a:rPr>
+              <a:t>.</a:t>
+            </a:r>
+            <a:r>
+              <a:rPr lang="it-IT" sz="700" b="1" i="1" dirty="0" err="1">
+                <a:latin typeface="Courier New" panose="02070309020205020404" pitchFamily="49" charset="0"/>
+                <a:cs typeface="Courier New" panose="02070309020205020404" pitchFamily="49" charset="0"/>
+              </a:rPr>
+              <a:t>PERSIST</a:t>
+            </a:r>
+            <a:r>
+              <a:rPr lang="it-IT" sz="700" dirty="0">
+                <a:latin typeface="Courier New" panose="02070309020205020404" pitchFamily="49" charset="0"/>
+                <a:cs typeface="Courier New" panose="02070309020205020404" pitchFamily="49" charset="0"/>
+              </a:rPr>
+              <a:t>, 	</a:t>
+            </a:r>
+            <a:r>
+              <a:rPr lang="it-IT" sz="700" i="1" dirty="0" err="1">
+                <a:latin typeface="Courier New" panose="02070309020205020404" pitchFamily="49" charset="0"/>
+                <a:cs typeface="Courier New" panose="02070309020205020404" pitchFamily="49" charset="0"/>
+              </a:rPr>
+              <a:t>CascadeType</a:t>
+            </a:r>
+            <a:r>
+              <a:rPr lang="it-IT" sz="700" dirty="0" err="1">
+                <a:latin typeface="Courier New" panose="02070309020205020404" pitchFamily="49" charset="0"/>
+                <a:cs typeface="Courier New" panose="02070309020205020404" pitchFamily="49" charset="0"/>
+              </a:rPr>
+              <a:t>.</a:t>
+            </a:r>
+            <a:r>
+              <a:rPr lang="it-IT" sz="700" b="1" i="1" dirty="0" err="1">
+                <a:latin typeface="Courier New" panose="02070309020205020404" pitchFamily="49" charset="0"/>
+                <a:cs typeface="Courier New" panose="02070309020205020404" pitchFamily="49" charset="0"/>
+              </a:rPr>
+              <a:t>REMOVE</a:t>
+            </a:r>
+            <a:r>
+              <a:rPr lang="it-IT" sz="700" dirty="0">
+                <a:latin typeface="Courier New" panose="02070309020205020404" pitchFamily="49" charset="0"/>
+                <a:cs typeface="Courier New" panose="02070309020205020404" pitchFamily="49" charset="0"/>
+              </a:rPr>
+              <a:t>, </a:t>
+            </a:r>
+            <a:r>
+              <a:rPr lang="it-IT" sz="700" i="1" dirty="0" err="1">
+                <a:latin typeface="Courier New" panose="02070309020205020404" pitchFamily="49" charset="0"/>
+                <a:cs typeface="Courier New" panose="02070309020205020404" pitchFamily="49" charset="0"/>
+              </a:rPr>
+              <a:t>CascadeType</a:t>
+            </a:r>
+            <a:r>
+              <a:rPr lang="it-IT" sz="700" dirty="0" err="1">
+                <a:latin typeface="Courier New" panose="02070309020205020404" pitchFamily="49" charset="0"/>
+                <a:cs typeface="Courier New" panose="02070309020205020404" pitchFamily="49" charset="0"/>
+              </a:rPr>
+              <a:t>.</a:t>
+            </a:r>
+            <a:r>
+              <a:rPr lang="it-IT" sz="700" b="1" i="1" dirty="0" err="1">
+                <a:latin typeface="Courier New" panose="02070309020205020404" pitchFamily="49" charset="0"/>
+                <a:cs typeface="Courier New" panose="02070309020205020404" pitchFamily="49" charset="0"/>
+              </a:rPr>
+              <a:t>REFRESH</a:t>
+            </a:r>
+            <a:r>
+              <a:rPr lang="it-IT" sz="700" dirty="0">
+                <a:latin typeface="Courier New" panose="02070309020205020404" pitchFamily="49" charset="0"/>
+                <a:cs typeface="Courier New" panose="02070309020205020404" pitchFamily="49" charset="0"/>
+              </a:rPr>
+              <a:t> }, </a:t>
+            </a:r>
+            <a:r>
+              <a:rPr lang="it-IT" sz="700" dirty="0" err="1">
+                <a:latin typeface="Courier New" panose="02070309020205020404" pitchFamily="49" charset="0"/>
+                <a:cs typeface="Courier New" panose="02070309020205020404" pitchFamily="49" charset="0"/>
+              </a:rPr>
+              <a:t>orphanRemoval</a:t>
+            </a:r>
+            <a:r>
+              <a:rPr lang="it-IT" sz="700" dirty="0">
+                <a:latin typeface="Courier New" panose="02070309020205020404" pitchFamily="49" charset="0"/>
+                <a:cs typeface="Courier New" panose="02070309020205020404" pitchFamily="49" charset="0"/>
+              </a:rPr>
+              <a:t> = </a:t>
+            </a:r>
+            <a:r>
+              <a:rPr lang="it-IT" sz="700" dirty="0" err="1">
+                <a:latin typeface="Courier New" panose="02070309020205020404" pitchFamily="49" charset="0"/>
+                <a:cs typeface="Courier New" panose="02070309020205020404" pitchFamily="49" charset="0"/>
+              </a:rPr>
+              <a:t>true</a:t>
+            </a:r>
+            <a:r>
+              <a:rPr lang="it-IT" sz="700" dirty="0">
+                <a:latin typeface="Courier New" panose="02070309020205020404" pitchFamily="49" charset="0"/>
+                <a:cs typeface="Courier New" panose="02070309020205020404" pitchFamily="49" charset="0"/>
+              </a:rPr>
+              <a:t>)</a:t>
+            </a:r>
+          </a:p>
+          <a:p>
+            <a:pPr marL="0" indent="0">
+              <a:buNone/>
+            </a:pPr>
+            <a:r>
+              <a:rPr lang="it-IT" sz="700" dirty="0">
+                <a:latin typeface="Courier New" panose="02070309020205020404" pitchFamily="49" charset="0"/>
+                <a:cs typeface="Courier New" panose="02070309020205020404" pitchFamily="49" charset="0"/>
+              </a:rPr>
+              <a:t>	private List&lt;</a:t>
+            </a:r>
+            <a:r>
+              <a:rPr lang="it-IT" sz="700" dirty="0" err="1">
+                <a:latin typeface="Courier New" panose="02070309020205020404" pitchFamily="49" charset="0"/>
+                <a:cs typeface="Courier New" panose="02070309020205020404" pitchFamily="49" charset="0"/>
+              </a:rPr>
+              <a:t>Answer</a:t>
+            </a:r>
+            <a:r>
+              <a:rPr lang="it-IT" sz="700" dirty="0">
+                <a:latin typeface="Courier New" panose="02070309020205020404" pitchFamily="49" charset="0"/>
+                <a:cs typeface="Courier New" panose="02070309020205020404" pitchFamily="49" charset="0"/>
+              </a:rPr>
+              <a:t>&gt; </a:t>
+            </a:r>
+            <a:r>
+              <a:rPr lang="it-IT" sz="700" dirty="0" err="1">
+                <a:latin typeface="Courier New" panose="02070309020205020404" pitchFamily="49" charset="0"/>
+                <a:cs typeface="Courier New" panose="02070309020205020404" pitchFamily="49" charset="0"/>
+              </a:rPr>
+              <a:t>answers</a:t>
+            </a:r>
+            <a:r>
+              <a:rPr lang="it-IT" sz="700" dirty="0">
+                <a:latin typeface="Courier New" panose="02070309020205020404" pitchFamily="49" charset="0"/>
+                <a:cs typeface="Courier New" panose="02070309020205020404" pitchFamily="49" charset="0"/>
+              </a:rPr>
+              <a:t> = new </a:t>
+            </a:r>
+            <a:r>
+              <a:rPr lang="it-IT" sz="700" dirty="0" err="1">
+                <a:latin typeface="Courier New" panose="02070309020205020404" pitchFamily="49" charset="0"/>
+                <a:cs typeface="Courier New" panose="02070309020205020404" pitchFamily="49" charset="0"/>
+              </a:rPr>
+              <a:t>ArrayList</a:t>
+            </a:r>
+            <a:r>
+              <a:rPr lang="it-IT" sz="700" dirty="0">
+                <a:latin typeface="Courier New" panose="02070309020205020404" pitchFamily="49" charset="0"/>
+                <a:cs typeface="Courier New" panose="02070309020205020404" pitchFamily="49" charset="0"/>
+              </a:rPr>
+              <a:t>&lt;&gt;();</a:t>
+            </a:r>
+          </a:p>
+          <a:p>
+            <a:pPr marL="0" indent="0">
+              <a:spcBef>
+                <a:spcPts val="0"/>
+              </a:spcBef>
+              <a:buNone/>
+            </a:pPr>
+            <a:endParaRPr lang="en-GB" sz="700" dirty="0">
               <a:latin typeface="Courier New" panose="02070309020205020404" pitchFamily="49" charset="0"/>
               <a:cs typeface="Courier New" panose="02070309020205020404" pitchFamily="49" charset="0"/>
             </a:endParaRPr>
           </a:p>
           <a:p>
             <a:pPr marL="0" indent="0">
-              <a:buNone/>
-            </a:pPr>
-            <a:r>
-              <a:rPr lang="it-IT" i="1" dirty="0">
-                <a:latin typeface="Courier New" panose="02070309020205020404" pitchFamily="49" charset="0"/>
-                <a:cs typeface="Courier New" panose="02070309020205020404" pitchFamily="49" charset="0"/>
-              </a:rPr>
-              <a:t>	@</a:t>
-            </a:r>
-            <a:r>
-              <a:rPr lang="it-IT" i="1" dirty="0" err="1">
-                <a:latin typeface="Courier New" panose="02070309020205020404" pitchFamily="49" charset="0"/>
-                <a:cs typeface="Courier New" panose="02070309020205020404" pitchFamily="49" charset="0"/>
-              </a:rPr>
-              <a:t>OneToMany</a:t>
-            </a:r>
-            <a:r>
-              <a:rPr lang="it-IT" dirty="0">
-                <a:latin typeface="Courier New" panose="02070309020205020404" pitchFamily="49" charset="0"/>
-                <a:cs typeface="Courier New" panose="02070309020205020404" pitchFamily="49" charset="0"/>
-              </a:rPr>
-              <a:t>(</a:t>
-            </a:r>
-            <a:r>
-              <a:rPr lang="it-IT" dirty="0" err="1">
-                <a:latin typeface="Courier New" panose="02070309020205020404" pitchFamily="49" charset="0"/>
-                <a:cs typeface="Courier New" panose="02070309020205020404" pitchFamily="49" charset="0"/>
-              </a:rPr>
-              <a:t>fetch</a:t>
-            </a:r>
-            <a:r>
-              <a:rPr lang="it-IT" dirty="0">
-                <a:latin typeface="Courier New" panose="02070309020205020404" pitchFamily="49" charset="0"/>
-                <a:cs typeface="Courier New" panose="02070309020205020404" pitchFamily="49" charset="0"/>
-              </a:rPr>
-              <a:t> = </a:t>
-            </a:r>
-            <a:r>
-              <a:rPr lang="it-IT" i="1" dirty="0" err="1">
-                <a:latin typeface="Courier New" panose="02070309020205020404" pitchFamily="49" charset="0"/>
-                <a:cs typeface="Courier New" panose="02070309020205020404" pitchFamily="49" charset="0"/>
-              </a:rPr>
-              <a:t>FetchType</a:t>
-            </a:r>
-            <a:r>
-              <a:rPr lang="it-IT" dirty="0" err="1">
-                <a:latin typeface="Courier New" panose="02070309020205020404" pitchFamily="49" charset="0"/>
-                <a:cs typeface="Courier New" panose="02070309020205020404" pitchFamily="49" charset="0"/>
-              </a:rPr>
-              <a:t>.</a:t>
-            </a:r>
-            <a:r>
-              <a:rPr lang="it-IT" b="1" i="1" dirty="0" err="1">
-                <a:latin typeface="Courier New" panose="02070309020205020404" pitchFamily="49" charset="0"/>
-                <a:cs typeface="Courier New" panose="02070309020205020404" pitchFamily="49" charset="0"/>
-              </a:rPr>
-              <a:t>LAZY</a:t>
-            </a:r>
-            <a:r>
-              <a:rPr lang="it-IT" dirty="0">
-                <a:latin typeface="Courier New" panose="02070309020205020404" pitchFamily="49" charset="0"/>
-                <a:cs typeface="Courier New" panose="02070309020205020404" pitchFamily="49" charset="0"/>
-              </a:rPr>
-              <a:t>, </a:t>
-            </a:r>
-            <a:r>
-              <a:rPr lang="it-IT" dirty="0" err="1">
-                <a:latin typeface="Courier New" panose="02070309020205020404" pitchFamily="49" charset="0"/>
-                <a:cs typeface="Courier New" panose="02070309020205020404" pitchFamily="49" charset="0"/>
-              </a:rPr>
-              <a:t>mappedBy</a:t>
-            </a:r>
-            <a:r>
-              <a:rPr lang="it-IT" dirty="0">
-                <a:latin typeface="Courier New" panose="02070309020205020404" pitchFamily="49" charset="0"/>
-                <a:cs typeface="Courier New" panose="02070309020205020404" pitchFamily="49" charset="0"/>
-              </a:rPr>
-              <a:t> = "</a:t>
-            </a:r>
-            <a:r>
-              <a:rPr lang="it-IT" dirty="0" err="1">
-                <a:latin typeface="Courier New" panose="02070309020205020404" pitchFamily="49" charset="0"/>
-                <a:cs typeface="Courier New" panose="02070309020205020404" pitchFamily="49" charset="0"/>
-              </a:rPr>
-              <a:t>user_idx</a:t>
-            </a:r>
-            <a:r>
-              <a:rPr lang="it-IT" dirty="0">
-                <a:latin typeface="Courier New" panose="02070309020205020404" pitchFamily="49" charset="0"/>
-                <a:cs typeface="Courier New" panose="02070309020205020404" pitchFamily="49" charset="0"/>
-              </a:rPr>
-              <a:t>", </a:t>
-            </a:r>
-            <a:r>
-              <a:rPr lang="it-IT" dirty="0" err="1">
-                <a:latin typeface="Courier New" panose="02070309020205020404" pitchFamily="49" charset="0"/>
-                <a:cs typeface="Courier New" panose="02070309020205020404" pitchFamily="49" charset="0"/>
-              </a:rPr>
-              <a:t>cascade</a:t>
-            </a:r>
-            <a:r>
-              <a:rPr lang="it-IT" dirty="0">
-                <a:latin typeface="Courier New" panose="02070309020205020404" pitchFamily="49" charset="0"/>
-                <a:cs typeface="Courier New" panose="02070309020205020404" pitchFamily="49" charset="0"/>
-              </a:rPr>
-              <a:t> = { </a:t>
-            </a:r>
-            <a:r>
-              <a:rPr lang="it-IT" i="1" dirty="0" err="1">
-                <a:latin typeface="Courier New" panose="02070309020205020404" pitchFamily="49" charset="0"/>
-                <a:cs typeface="Courier New" panose="02070309020205020404" pitchFamily="49" charset="0"/>
-              </a:rPr>
-              <a:t>CascadeType</a:t>
-            </a:r>
-            <a:r>
-              <a:rPr lang="it-IT" dirty="0" err="1">
-                <a:latin typeface="Courier New" panose="02070309020205020404" pitchFamily="49" charset="0"/>
-                <a:cs typeface="Courier New" panose="02070309020205020404" pitchFamily="49" charset="0"/>
-              </a:rPr>
-              <a:t>.</a:t>
-            </a:r>
-            <a:r>
-              <a:rPr lang="it-IT" b="1" i="1" dirty="0" err="1">
-                <a:latin typeface="Courier New" panose="02070309020205020404" pitchFamily="49" charset="0"/>
-                <a:cs typeface="Courier New" panose="02070309020205020404" pitchFamily="49" charset="0"/>
-              </a:rPr>
-              <a:t>PERSIST</a:t>
-            </a:r>
-            <a:r>
-              <a:rPr lang="it-IT" dirty="0">
-                <a:latin typeface="Courier New" panose="02070309020205020404" pitchFamily="49" charset="0"/>
-                <a:cs typeface="Courier New" panose="02070309020205020404" pitchFamily="49" charset="0"/>
-              </a:rPr>
-              <a:t>, 	</a:t>
-            </a:r>
-            <a:r>
-              <a:rPr lang="it-IT" i="1" dirty="0" err="1">
-                <a:latin typeface="Courier New" panose="02070309020205020404" pitchFamily="49" charset="0"/>
-                <a:cs typeface="Courier New" panose="02070309020205020404" pitchFamily="49" charset="0"/>
-              </a:rPr>
-              <a:t>CascadeType</a:t>
-            </a:r>
-            <a:r>
-              <a:rPr lang="it-IT" dirty="0" err="1">
-                <a:latin typeface="Courier New" panose="02070309020205020404" pitchFamily="49" charset="0"/>
-                <a:cs typeface="Courier New" panose="02070309020205020404" pitchFamily="49" charset="0"/>
-              </a:rPr>
-              <a:t>.</a:t>
-            </a:r>
-            <a:r>
-              <a:rPr lang="it-IT" b="1" i="1" dirty="0" err="1">
-                <a:latin typeface="Courier New" panose="02070309020205020404" pitchFamily="49" charset="0"/>
-                <a:cs typeface="Courier New" panose="02070309020205020404" pitchFamily="49" charset="0"/>
-              </a:rPr>
-              <a:t>REMOVE</a:t>
-            </a:r>
-            <a:r>
-              <a:rPr lang="it-IT" dirty="0">
-                <a:latin typeface="Courier New" panose="02070309020205020404" pitchFamily="49" charset="0"/>
-                <a:cs typeface="Courier New" panose="02070309020205020404" pitchFamily="49" charset="0"/>
-              </a:rPr>
-              <a:t>, </a:t>
-            </a:r>
-            <a:r>
-              <a:rPr lang="it-IT" i="1" dirty="0" err="1">
-                <a:latin typeface="Courier New" panose="02070309020205020404" pitchFamily="49" charset="0"/>
-                <a:cs typeface="Courier New" panose="02070309020205020404" pitchFamily="49" charset="0"/>
-              </a:rPr>
-              <a:t>CascadeType</a:t>
-            </a:r>
-            <a:r>
-              <a:rPr lang="it-IT" dirty="0" err="1">
-                <a:latin typeface="Courier New" panose="02070309020205020404" pitchFamily="49" charset="0"/>
-                <a:cs typeface="Courier New" panose="02070309020205020404" pitchFamily="49" charset="0"/>
-              </a:rPr>
-              <a:t>.</a:t>
-            </a:r>
-            <a:r>
-              <a:rPr lang="it-IT" b="1" i="1" dirty="0" err="1">
-                <a:latin typeface="Courier New" panose="02070309020205020404" pitchFamily="49" charset="0"/>
-                <a:cs typeface="Courier New" panose="02070309020205020404" pitchFamily="49" charset="0"/>
-              </a:rPr>
-              <a:t>REFRESH</a:t>
-            </a:r>
-            <a:r>
-              <a:rPr lang="it-IT" dirty="0">
-                <a:latin typeface="Courier New" panose="02070309020205020404" pitchFamily="49" charset="0"/>
-                <a:cs typeface="Courier New" panose="02070309020205020404" pitchFamily="49" charset="0"/>
-              </a:rPr>
-              <a:t> }, </a:t>
-            </a:r>
-            <a:r>
-              <a:rPr lang="it-IT" dirty="0" err="1">
-                <a:latin typeface="Courier New" panose="02070309020205020404" pitchFamily="49" charset="0"/>
-                <a:cs typeface="Courier New" panose="02070309020205020404" pitchFamily="49" charset="0"/>
-              </a:rPr>
-              <a:t>orphanRemoval</a:t>
-            </a:r>
-            <a:r>
-              <a:rPr lang="it-IT" dirty="0">
-                <a:latin typeface="Courier New" panose="02070309020205020404" pitchFamily="49" charset="0"/>
-                <a:cs typeface="Courier New" panose="02070309020205020404" pitchFamily="49" charset="0"/>
-              </a:rPr>
-              <a:t> = </a:t>
-            </a:r>
-            <a:r>
-              <a:rPr lang="it-IT" dirty="0" err="1">
-                <a:latin typeface="Courier New" panose="02070309020205020404" pitchFamily="49" charset="0"/>
-                <a:cs typeface="Courier New" panose="02070309020205020404" pitchFamily="49" charset="0"/>
-              </a:rPr>
-              <a:t>true</a:t>
-            </a:r>
-            <a:r>
-              <a:rPr lang="it-IT" dirty="0">
-                <a:latin typeface="Courier New" panose="02070309020205020404" pitchFamily="49" charset="0"/>
-                <a:cs typeface="Courier New" panose="02070309020205020404" pitchFamily="49" charset="0"/>
-              </a:rPr>
-              <a:t>)</a:t>
-            </a:r>
-          </a:p>
-          <a:p>
-            <a:pPr marL="0" indent="0">
-              <a:buNone/>
-            </a:pPr>
-            <a:r>
-              <a:rPr lang="it-IT" dirty="0">
-                <a:latin typeface="Courier New" panose="02070309020205020404" pitchFamily="49" charset="0"/>
-                <a:cs typeface="Courier New" panose="02070309020205020404" pitchFamily="49" charset="0"/>
-              </a:rPr>
-              <a:t>	private List&lt;</a:t>
-            </a:r>
-            <a:r>
-              <a:rPr lang="it-IT" dirty="0" err="1">
-                <a:latin typeface="Courier New" panose="02070309020205020404" pitchFamily="49" charset="0"/>
-                <a:cs typeface="Courier New" panose="02070309020205020404" pitchFamily="49" charset="0"/>
-              </a:rPr>
-              <a:t>Answer</a:t>
-            </a:r>
-            <a:r>
-              <a:rPr lang="it-IT" dirty="0">
-                <a:latin typeface="Courier New" panose="02070309020205020404" pitchFamily="49" charset="0"/>
-                <a:cs typeface="Courier New" panose="02070309020205020404" pitchFamily="49" charset="0"/>
-              </a:rPr>
-              <a:t>&gt; </a:t>
-            </a:r>
-            <a:r>
-              <a:rPr lang="it-IT" dirty="0" err="1">
-                <a:latin typeface="Courier New" panose="02070309020205020404" pitchFamily="49" charset="0"/>
-                <a:cs typeface="Courier New" panose="02070309020205020404" pitchFamily="49" charset="0"/>
-              </a:rPr>
-              <a:t>answers</a:t>
-            </a:r>
-            <a:r>
-              <a:rPr lang="it-IT" dirty="0">
-                <a:latin typeface="Courier New" panose="02070309020205020404" pitchFamily="49" charset="0"/>
-                <a:cs typeface="Courier New" panose="02070309020205020404" pitchFamily="49" charset="0"/>
-              </a:rPr>
-              <a:t> = new </a:t>
-            </a:r>
-            <a:r>
-              <a:rPr lang="it-IT" dirty="0" err="1">
-                <a:latin typeface="Courier New" panose="02070309020205020404" pitchFamily="49" charset="0"/>
-                <a:cs typeface="Courier New" panose="02070309020205020404" pitchFamily="49" charset="0"/>
-              </a:rPr>
-              <a:t>ArrayList</a:t>
-            </a:r>
-            <a:r>
-              <a:rPr lang="it-IT" dirty="0">
-                <a:latin typeface="Courier New" panose="02070309020205020404" pitchFamily="49" charset="0"/>
-                <a:cs typeface="Courier New" panose="02070309020205020404" pitchFamily="49" charset="0"/>
-              </a:rPr>
-              <a:t>&lt;&gt;();</a:t>
-            </a:r>
-          </a:p>
-          <a:p>
-            <a:pPr marL="0" indent="0">
               <a:spcBef>
                 <a:spcPts val="0"/>
               </a:spcBef>
               <a:buNone/>
             </a:pPr>
-            <a:endParaRPr lang="en-GB" sz="1000" dirty="0">
-              <a:latin typeface="Courier New" panose="02070309020205020404" pitchFamily="49" charset="0"/>
-              <a:cs typeface="Courier New" panose="02070309020205020404" pitchFamily="49" charset="0"/>
-            </a:endParaRPr>
-          </a:p>
-          <a:p>
-            <a:pPr marL="0" indent="0">
-              <a:spcBef>
-                <a:spcPts val="0"/>
-              </a:spcBef>
-              <a:buNone/>
-            </a:pPr>
-            <a:endParaRPr lang="en-GB" sz="1000" dirty="0">
+            <a:endParaRPr lang="en-GB" sz="700" dirty="0">
               <a:latin typeface="Courier New" panose="02070309020205020404" pitchFamily="49" charset="0"/>
               <a:cs typeface="Courier New" panose="02070309020205020404" pitchFamily="49" charset="0"/>
             </a:endParaRPr>
@@ -23058,12 +23237,12 @@
         <p:spPr>
           <a:xfrm>
             <a:off x="4894926" y="2572216"/>
-            <a:ext cx="3886200" cy="2280128"/>
+            <a:ext cx="3886200" cy="2735764"/>
           </a:xfrm>
         </p:spPr>
         <p:txBody>
           <a:bodyPr>
-            <a:normAutofit/>
+            <a:normAutofit lnSpcReduction="10000"/>
           </a:bodyPr>
           <a:lstStyle/>
           <a:p>
@@ -23140,6 +23319,27 @@
               <a:rPr lang="en-GB" sz="1400" dirty="0"/>
               <a:t>- orphan removal: none</a:t>
             </a:r>
+            <a:br>
+              <a:rPr lang="en-GB" sz="1400" dirty="0"/>
+            </a:br>
+            <a:endParaRPr lang="en-GB" sz="1400" dirty="0"/>
+          </a:p>
+          <a:p>
+            <a:pPr marL="0" indent="0">
+              <a:buNone/>
+            </a:pPr>
+            <a:r>
+              <a:rPr lang="en-GB" sz="1800" dirty="0"/>
+              <a:t>The owner of the relationship is obviously </a:t>
+            </a:r>
+            <a:r>
+              <a:rPr lang="en-GB" sz="1800" dirty="0" err="1"/>
+              <a:t>Leaderboard</a:t>
+            </a:r>
+            <a:endParaRPr lang="en-GB" sz="1800" dirty="0"/>
+          </a:p>
+          <a:p>
+            <a:endParaRPr lang="en-GB" sz="1400" dirty="0"/>
           </a:p>
           <a:p>
             <a:endParaRPr lang="en-GB" sz="1800" dirty="0"/>
@@ -23861,12 +24061,12 @@
         <p:spPr>
           <a:xfrm>
             <a:off x="4930789" y="2566378"/>
-            <a:ext cx="3886200" cy="2463908"/>
+            <a:ext cx="3886200" cy="2704432"/>
           </a:xfrm>
         </p:spPr>
         <p:txBody>
           <a:bodyPr>
-            <a:normAutofit/>
+            <a:normAutofit lnSpcReduction="10000"/>
           </a:bodyPr>
           <a:lstStyle/>
           <a:p>
@@ -23935,6 +24135,23 @@
               <a:rPr lang="en-GB" sz="1400" dirty="0"/>
               <a:t>- orphan removal: none</a:t>
             </a:r>
+          </a:p>
+          <a:p>
+            <a:pPr marL="0" indent="0">
+              <a:buNone/>
+            </a:pPr>
+            <a:br>
+              <a:rPr lang="en-GB" sz="1800" dirty="0"/>
+            </a:br>
+            <a:r>
+              <a:rPr lang="en-GB" sz="1800" dirty="0"/>
+              <a:t>The owner of the relationship is obviously </a:t>
+            </a:r>
+            <a:r>
+              <a:rPr lang="en-GB" sz="1800" dirty="0" err="1"/>
+              <a:t>Leaderboard</a:t>
+            </a:r>
+            <a:endParaRPr lang="en-GB" sz="1800" dirty="0"/>
           </a:p>
           <a:p>
             <a:endParaRPr lang="en-GB" sz="1800" dirty="0"/>
@@ -25816,6 +26033,44 @@
               <a:rPr lang="it-IT" sz="1200" dirty="0"/>
               <a:t>(User u)</a:t>
             </a:r>
+          </a:p>
+          <a:p>
+            <a:pPr lvl="2"/>
+            <a:r>
+              <a:rPr lang="it-IT" sz="1200" dirty="0" err="1"/>
+              <a:t>getAnswers</a:t>
+            </a:r>
+            <a:r>
+              <a:rPr lang="it-IT" sz="1200" dirty="0"/>
+              <a:t>(User </a:t>
+            </a:r>
+            <a:r>
+              <a:rPr lang="it-IT" sz="1200" dirty="0" err="1"/>
+              <a:t>user</a:t>
+            </a:r>
+            <a:r>
+              <a:rPr lang="it-IT" sz="1200" dirty="0"/>
+              <a:t>, </a:t>
+            </a:r>
+            <a:r>
+              <a:rPr lang="it-IT" sz="1200" dirty="0" err="1"/>
+              <a:t>int</a:t>
+            </a:r>
+            <a:r>
+              <a:rPr lang="it-IT" sz="1200" dirty="0"/>
+              <a:t> </a:t>
+            </a:r>
+            <a:r>
+              <a:rPr lang="it-IT" sz="1200" dirty="0" err="1"/>
+              <a:t>questionnaire</a:t>
+            </a:r>
+            <a:r>
+              <a:rPr lang="it-IT" sz="1200" dirty="0"/>
+              <a:t>)</a:t>
+            </a:r>
+          </a:p>
+          <a:p>
+            <a:pPr lvl="2"/>
             <a:endParaRPr lang="en-GB" sz="1200" dirty="0"/>
           </a:p>
           <a:p>
@@ -26023,7 +26278,7 @@
             <a:pPr lvl="1"/>
             <a:r>
               <a:rPr lang="en-GB" sz="1800" dirty="0"/>
-              <a:t>@Stateful </a:t>
+              <a:t>@Stateless </a:t>
             </a:r>
             <a:r>
               <a:rPr lang="en-GB" sz="1800" dirty="0" err="1"/>
